--- a/diagrams/arch_diagram.pptx
+++ b/diagrams/arch_diagram.pptx
@@ -2,12 +2,12 @@
 <file path=ppt/presentation.xml><?xml version="1.0" encoding="utf-8"?>
 <p:presentation xmlns:a="http://schemas.openxmlformats.org/drawingml/2006/main" xmlns:r="http://schemas.openxmlformats.org/officeDocument/2006/relationships" xmlns:p="http://schemas.openxmlformats.org/presentationml/2006/main" saveSubsetFonts="1">
   <p:sldMasterIdLst>
-    <p:sldMasterId id="2147483660" r:id="rId1"/>
+    <p:sldMasterId id="2147483684" r:id="rId1"/>
   </p:sldMasterIdLst>
   <p:sldIdLst>
     <p:sldId id="256" r:id="rId2"/>
   </p:sldIdLst>
-  <p:sldSz cx="12192000" cy="7920038"/>
+  <p:sldSz cx="12192000" cy="7218363"/>
   <p:notesSz cx="6858000" cy="9144000"/>
   <p:defaultTextStyle>
     <a:defPPr>
@@ -141,15 +141,15 @@
         </p:nvSpPr>
         <p:spPr>
           <a:xfrm>
-            <a:off x="914400" y="1296173"/>
-            <a:ext cx="10363200" cy="2757347"/>
+            <a:off x="1524000" y="1181339"/>
+            <a:ext cx="9144000" cy="2513060"/>
           </a:xfrm>
         </p:spPr>
         <p:txBody>
           <a:bodyPr anchor="b"/>
           <a:lstStyle>
             <a:lvl1pPr algn="ctr">
-              <a:defRPr sz="6929"/>
+              <a:defRPr sz="6000"/>
             </a:lvl1pPr>
           </a:lstStyle>
           <a:p>
@@ -173,8 +173,8 @@
         </p:nvSpPr>
         <p:spPr>
           <a:xfrm>
-            <a:off x="1524000" y="4159854"/>
-            <a:ext cx="9144000" cy="1912175"/>
+            <a:off x="1524000" y="3791312"/>
+            <a:ext cx="9144000" cy="1742766"/>
           </a:xfrm>
         </p:spPr>
         <p:txBody>
@@ -182,39 +182,39 @@
           <a:lstStyle>
             <a:lvl1pPr marL="0" indent="0" algn="ctr">
               <a:buNone/>
-              <a:defRPr sz="2772"/>
+              <a:defRPr sz="2400"/>
             </a:lvl1pPr>
-            <a:lvl2pPr marL="528020" indent="0" algn="ctr">
-              <a:buNone/>
-              <a:defRPr sz="2310"/>
+            <a:lvl2pPr marL="457200" indent="0" algn="ctr">
+              <a:buNone/>
+              <a:defRPr sz="2000"/>
             </a:lvl2pPr>
-            <a:lvl3pPr marL="1056041" indent="0" algn="ctr">
-              <a:buNone/>
-              <a:defRPr sz="2079"/>
+            <a:lvl3pPr marL="914400" indent="0" algn="ctr">
+              <a:buNone/>
+              <a:defRPr sz="1800"/>
             </a:lvl3pPr>
-            <a:lvl4pPr marL="1584061" indent="0" algn="ctr">
-              <a:buNone/>
-              <a:defRPr sz="1848"/>
+            <a:lvl4pPr marL="1371600" indent="0" algn="ctr">
+              <a:buNone/>
+              <a:defRPr sz="1600"/>
             </a:lvl4pPr>
-            <a:lvl5pPr marL="2112081" indent="0" algn="ctr">
-              <a:buNone/>
-              <a:defRPr sz="1848"/>
+            <a:lvl5pPr marL="1828800" indent="0" algn="ctr">
+              <a:buNone/>
+              <a:defRPr sz="1600"/>
             </a:lvl5pPr>
-            <a:lvl6pPr marL="2640101" indent="0" algn="ctr">
-              <a:buNone/>
-              <a:defRPr sz="1848"/>
+            <a:lvl6pPr marL="2286000" indent="0" algn="ctr">
+              <a:buNone/>
+              <a:defRPr sz="1600"/>
             </a:lvl6pPr>
-            <a:lvl7pPr marL="3168122" indent="0" algn="ctr">
-              <a:buNone/>
-              <a:defRPr sz="1848"/>
+            <a:lvl7pPr marL="2743200" indent="0" algn="ctr">
+              <a:buNone/>
+              <a:defRPr sz="1600"/>
             </a:lvl7pPr>
-            <a:lvl8pPr marL="3696142" indent="0" algn="ctr">
-              <a:buNone/>
-              <a:defRPr sz="1848"/>
+            <a:lvl8pPr marL="3200400" indent="0" algn="ctr">
+              <a:buNone/>
+              <a:defRPr sz="1600"/>
             </a:lvl8pPr>
-            <a:lvl9pPr marL="4224162" indent="0" algn="ctr">
-              <a:buNone/>
-              <a:defRPr sz="1848"/>
+            <a:lvl9pPr marL="3657600" indent="0" algn="ctr">
+              <a:buNone/>
+              <a:defRPr sz="1600"/>
             </a:lvl9pPr>
           </a:lstStyle>
           <a:p>
@@ -243,7 +243,7 @@
           <a:p>
             <a:fld id="{F0B056FD-87E8-4D2D-A983-B131F0A5D3E5}" type="datetimeFigureOut">
               <a:rPr lang="es-ES" smtClean="0"/>
-              <a:t>30/11/2021</a:t>
+              <a:t>13/01/2022</a:t>
             </a:fld>
             <a:endParaRPr lang="es-ES"/>
           </a:p>
@@ -294,7 +294,7 @@
     </p:spTree>
     <p:extLst>
       <p:ext uri="{BB962C8B-B14F-4D97-AF65-F5344CB8AC3E}">
-        <p14:creationId xmlns:p14="http://schemas.microsoft.com/office/powerpoint/2010/main" val="2351827397"/>
+        <p14:creationId xmlns:p14="http://schemas.microsoft.com/office/powerpoint/2010/main" val="1099792010"/>
       </p:ext>
     </p:extLst>
   </p:cSld>
@@ -413,7 +413,7 @@
           <a:p>
             <a:fld id="{F0B056FD-87E8-4D2D-A983-B131F0A5D3E5}" type="datetimeFigureOut">
               <a:rPr lang="es-ES" smtClean="0"/>
-              <a:t>30/11/2021</a:t>
+              <a:t>13/01/2022</a:t>
             </a:fld>
             <a:endParaRPr lang="es-ES"/>
           </a:p>
@@ -464,7 +464,7 @@
     </p:spTree>
     <p:extLst>
       <p:ext uri="{BB962C8B-B14F-4D97-AF65-F5344CB8AC3E}">
-        <p14:creationId xmlns:p14="http://schemas.microsoft.com/office/powerpoint/2010/main" val="2900813050"/>
+        <p14:creationId xmlns:p14="http://schemas.microsoft.com/office/powerpoint/2010/main" val="1704061410"/>
       </p:ext>
     </p:extLst>
   </p:cSld>
@@ -503,8 +503,8 @@
         </p:nvSpPr>
         <p:spPr>
           <a:xfrm>
-            <a:off x="8724901" y="421669"/>
-            <a:ext cx="2628900" cy="6711866"/>
+            <a:off x="8724900" y="384311"/>
+            <a:ext cx="2628900" cy="6117229"/>
           </a:xfrm>
         </p:spPr>
         <p:txBody>
@@ -531,8 +531,8 @@
         </p:nvSpPr>
         <p:spPr>
           <a:xfrm>
-            <a:off x="838201" y="421669"/>
-            <a:ext cx="7734300" cy="6711866"/>
+            <a:off x="838200" y="384311"/>
+            <a:ext cx="7734300" cy="6117229"/>
           </a:xfrm>
         </p:spPr>
         <p:txBody>
@@ -593,7 +593,7 @@
           <a:p>
             <a:fld id="{F0B056FD-87E8-4D2D-A983-B131F0A5D3E5}" type="datetimeFigureOut">
               <a:rPr lang="es-ES" smtClean="0"/>
-              <a:t>30/11/2021</a:t>
+              <a:t>13/01/2022</a:t>
             </a:fld>
             <a:endParaRPr lang="es-ES"/>
           </a:p>
@@ -644,7 +644,7 @@
     </p:spTree>
     <p:extLst>
       <p:ext uri="{BB962C8B-B14F-4D97-AF65-F5344CB8AC3E}">
-        <p14:creationId xmlns:p14="http://schemas.microsoft.com/office/powerpoint/2010/main" val="1282227969"/>
+        <p14:creationId xmlns:p14="http://schemas.microsoft.com/office/powerpoint/2010/main" val="1244115698"/>
       </p:ext>
     </p:extLst>
   </p:cSld>
@@ -763,7 +763,7 @@
           <a:p>
             <a:fld id="{F0B056FD-87E8-4D2D-A983-B131F0A5D3E5}" type="datetimeFigureOut">
               <a:rPr lang="es-ES" smtClean="0"/>
-              <a:t>30/11/2021</a:t>
+              <a:t>13/01/2022</a:t>
             </a:fld>
             <a:endParaRPr lang="es-ES"/>
           </a:p>
@@ -814,7 +814,7 @@
     </p:spTree>
     <p:extLst>
       <p:ext uri="{BB962C8B-B14F-4D97-AF65-F5344CB8AC3E}">
-        <p14:creationId xmlns:p14="http://schemas.microsoft.com/office/powerpoint/2010/main" val="3732573560"/>
+        <p14:creationId xmlns:p14="http://schemas.microsoft.com/office/powerpoint/2010/main" val="2047258602"/>
       </p:ext>
     </p:extLst>
   </p:cSld>
@@ -853,15 +853,15 @@
         </p:nvSpPr>
         <p:spPr>
           <a:xfrm>
-            <a:off x="831851" y="1974512"/>
-            <a:ext cx="10515600" cy="3294515"/>
+            <a:off x="831850" y="1799579"/>
+            <a:ext cx="10515600" cy="3002638"/>
           </a:xfrm>
         </p:spPr>
         <p:txBody>
           <a:bodyPr anchor="b"/>
           <a:lstStyle>
             <a:lvl1pPr>
-              <a:defRPr sz="6929"/>
+              <a:defRPr sz="6000"/>
             </a:lvl1pPr>
           </a:lstStyle>
           <a:p>
@@ -885,8 +885,8 @@
         </p:nvSpPr>
         <p:spPr>
           <a:xfrm>
-            <a:off x="831851" y="5300194"/>
-            <a:ext cx="10515600" cy="1732508"/>
+            <a:off x="831850" y="4830623"/>
+            <a:ext cx="10515600" cy="1579016"/>
           </a:xfrm>
         </p:spPr>
         <p:txBody>
@@ -894,15 +894,17 @@
           <a:lstStyle>
             <a:lvl1pPr marL="0" indent="0">
               <a:buNone/>
-              <a:defRPr sz="2772">
+              <a:defRPr sz="2400">
                 <a:solidFill>
-                  <a:schemeClr val="tx1"/>
+                  <a:schemeClr val="tx1">
+                    <a:tint val="75000"/>
+                  </a:schemeClr>
                 </a:solidFill>
               </a:defRPr>
             </a:lvl1pPr>
-            <a:lvl2pPr marL="528020" indent="0">
-              <a:buNone/>
-              <a:defRPr sz="2310">
+            <a:lvl2pPr marL="457200" indent="0">
+              <a:buNone/>
+              <a:defRPr sz="2000">
                 <a:solidFill>
                   <a:schemeClr val="tx1">
                     <a:tint val="75000"/>
@@ -910,9 +912,9 @@
                 </a:solidFill>
               </a:defRPr>
             </a:lvl2pPr>
-            <a:lvl3pPr marL="1056041" indent="0">
-              <a:buNone/>
-              <a:defRPr sz="2079">
+            <a:lvl3pPr marL="914400" indent="0">
+              <a:buNone/>
+              <a:defRPr sz="1800">
                 <a:solidFill>
                   <a:schemeClr val="tx1">
                     <a:tint val="75000"/>
@@ -920,9 +922,9 @@
                 </a:solidFill>
               </a:defRPr>
             </a:lvl3pPr>
-            <a:lvl4pPr marL="1584061" indent="0">
-              <a:buNone/>
-              <a:defRPr sz="1848">
+            <a:lvl4pPr marL="1371600" indent="0">
+              <a:buNone/>
+              <a:defRPr sz="1600">
                 <a:solidFill>
                   <a:schemeClr val="tx1">
                     <a:tint val="75000"/>
@@ -930,9 +932,9 @@
                 </a:solidFill>
               </a:defRPr>
             </a:lvl4pPr>
-            <a:lvl5pPr marL="2112081" indent="0">
-              <a:buNone/>
-              <a:defRPr sz="1848">
+            <a:lvl5pPr marL="1828800" indent="0">
+              <a:buNone/>
+              <a:defRPr sz="1600">
                 <a:solidFill>
                   <a:schemeClr val="tx1">
                     <a:tint val="75000"/>
@@ -940,9 +942,9 @@
                 </a:solidFill>
               </a:defRPr>
             </a:lvl5pPr>
-            <a:lvl6pPr marL="2640101" indent="0">
-              <a:buNone/>
-              <a:defRPr sz="1848">
+            <a:lvl6pPr marL="2286000" indent="0">
+              <a:buNone/>
+              <a:defRPr sz="1600">
                 <a:solidFill>
                   <a:schemeClr val="tx1">
                     <a:tint val="75000"/>
@@ -950,9 +952,9 @@
                 </a:solidFill>
               </a:defRPr>
             </a:lvl6pPr>
-            <a:lvl7pPr marL="3168122" indent="0">
-              <a:buNone/>
-              <a:defRPr sz="1848">
+            <a:lvl7pPr marL="2743200" indent="0">
+              <a:buNone/>
+              <a:defRPr sz="1600">
                 <a:solidFill>
                   <a:schemeClr val="tx1">
                     <a:tint val="75000"/>
@@ -960,9 +962,9 @@
                 </a:solidFill>
               </a:defRPr>
             </a:lvl7pPr>
-            <a:lvl8pPr marL="3696142" indent="0">
-              <a:buNone/>
-              <a:defRPr sz="1848">
+            <a:lvl8pPr marL="3200400" indent="0">
+              <a:buNone/>
+              <a:defRPr sz="1600">
                 <a:solidFill>
                   <a:schemeClr val="tx1">
                     <a:tint val="75000"/>
@@ -970,9 +972,9 @@
                 </a:solidFill>
               </a:defRPr>
             </a:lvl8pPr>
-            <a:lvl9pPr marL="4224162" indent="0">
-              <a:buNone/>
-              <a:defRPr sz="1848">
+            <a:lvl9pPr marL="3657600" indent="0">
+              <a:buNone/>
+              <a:defRPr sz="1600">
                 <a:solidFill>
                   <a:schemeClr val="tx1">
                     <a:tint val="75000"/>
@@ -1007,7 +1009,7 @@
           <a:p>
             <a:fld id="{F0B056FD-87E8-4D2D-A983-B131F0A5D3E5}" type="datetimeFigureOut">
               <a:rPr lang="es-ES" smtClean="0"/>
-              <a:t>30/11/2021</a:t>
+              <a:t>13/01/2022</a:t>
             </a:fld>
             <a:endParaRPr lang="es-ES"/>
           </a:p>
@@ -1058,7 +1060,7 @@
     </p:spTree>
     <p:extLst>
       <p:ext uri="{BB962C8B-B14F-4D97-AF65-F5344CB8AC3E}">
-        <p14:creationId xmlns:p14="http://schemas.microsoft.com/office/powerpoint/2010/main" val="787363734"/>
+        <p14:creationId xmlns:p14="http://schemas.microsoft.com/office/powerpoint/2010/main" val="298147307"/>
       </p:ext>
     </p:extLst>
   </p:cSld>
@@ -1120,8 +1122,8 @@
         </p:nvSpPr>
         <p:spPr>
           <a:xfrm>
-            <a:off x="838200" y="2108344"/>
-            <a:ext cx="5181600" cy="5025191"/>
+            <a:off x="838200" y="1921555"/>
+            <a:ext cx="5181600" cy="4579985"/>
           </a:xfrm>
         </p:spPr>
         <p:txBody>
@@ -1177,8 +1179,8 @@
         </p:nvSpPr>
         <p:spPr>
           <a:xfrm>
-            <a:off x="6172200" y="2108344"/>
-            <a:ext cx="5181600" cy="5025191"/>
+            <a:off x="6172200" y="1921555"/>
+            <a:ext cx="5181600" cy="4579985"/>
           </a:xfrm>
         </p:spPr>
         <p:txBody>
@@ -1239,7 +1241,7 @@
           <a:p>
             <a:fld id="{F0B056FD-87E8-4D2D-A983-B131F0A5D3E5}" type="datetimeFigureOut">
               <a:rPr lang="es-ES" smtClean="0"/>
-              <a:t>30/11/2021</a:t>
+              <a:t>13/01/2022</a:t>
             </a:fld>
             <a:endParaRPr lang="es-ES"/>
           </a:p>
@@ -1290,7 +1292,7 @@
     </p:spTree>
     <p:extLst>
       <p:ext uri="{BB962C8B-B14F-4D97-AF65-F5344CB8AC3E}">
-        <p14:creationId xmlns:p14="http://schemas.microsoft.com/office/powerpoint/2010/main" val="1658897725"/>
+        <p14:creationId xmlns:p14="http://schemas.microsoft.com/office/powerpoint/2010/main" val="2888835294"/>
       </p:ext>
     </p:extLst>
   </p:cSld>
@@ -1329,8 +1331,8 @@
         </p:nvSpPr>
         <p:spPr>
           <a:xfrm>
-            <a:off x="839788" y="421671"/>
-            <a:ext cx="10515600" cy="1530841"/>
+            <a:off x="839788" y="384311"/>
+            <a:ext cx="10515600" cy="1395217"/>
           </a:xfrm>
         </p:spPr>
         <p:txBody>
@@ -1357,8 +1359,8 @@
         </p:nvSpPr>
         <p:spPr>
           <a:xfrm>
-            <a:off x="839789" y="1941510"/>
-            <a:ext cx="5157787" cy="951504"/>
+            <a:off x="839789" y="1769502"/>
+            <a:ext cx="5157787" cy="867206"/>
           </a:xfrm>
         </p:spPr>
         <p:txBody>
@@ -1366,39 +1368,39 @@
           <a:lstStyle>
             <a:lvl1pPr marL="0" indent="0">
               <a:buNone/>
-              <a:defRPr sz="2772" b="1"/>
+              <a:defRPr sz="2400" b="1"/>
             </a:lvl1pPr>
-            <a:lvl2pPr marL="528020" indent="0">
-              <a:buNone/>
-              <a:defRPr sz="2310" b="1"/>
+            <a:lvl2pPr marL="457200" indent="0">
+              <a:buNone/>
+              <a:defRPr sz="2000" b="1"/>
             </a:lvl2pPr>
-            <a:lvl3pPr marL="1056041" indent="0">
-              <a:buNone/>
-              <a:defRPr sz="2079" b="1"/>
+            <a:lvl3pPr marL="914400" indent="0">
+              <a:buNone/>
+              <a:defRPr sz="1800" b="1"/>
             </a:lvl3pPr>
-            <a:lvl4pPr marL="1584061" indent="0">
-              <a:buNone/>
-              <a:defRPr sz="1848" b="1"/>
+            <a:lvl4pPr marL="1371600" indent="0">
+              <a:buNone/>
+              <a:defRPr sz="1600" b="1"/>
             </a:lvl4pPr>
-            <a:lvl5pPr marL="2112081" indent="0">
-              <a:buNone/>
-              <a:defRPr sz="1848" b="1"/>
+            <a:lvl5pPr marL="1828800" indent="0">
+              <a:buNone/>
+              <a:defRPr sz="1600" b="1"/>
             </a:lvl5pPr>
-            <a:lvl6pPr marL="2640101" indent="0">
-              <a:buNone/>
-              <a:defRPr sz="1848" b="1"/>
+            <a:lvl6pPr marL="2286000" indent="0">
+              <a:buNone/>
+              <a:defRPr sz="1600" b="1"/>
             </a:lvl6pPr>
-            <a:lvl7pPr marL="3168122" indent="0">
-              <a:buNone/>
-              <a:defRPr sz="1848" b="1"/>
+            <a:lvl7pPr marL="2743200" indent="0">
+              <a:buNone/>
+              <a:defRPr sz="1600" b="1"/>
             </a:lvl7pPr>
-            <a:lvl8pPr marL="3696142" indent="0">
-              <a:buNone/>
-              <a:defRPr sz="1848" b="1"/>
+            <a:lvl8pPr marL="3200400" indent="0">
+              <a:buNone/>
+              <a:defRPr sz="1600" b="1"/>
             </a:lvl8pPr>
-            <a:lvl9pPr marL="4224162" indent="0">
-              <a:buNone/>
-              <a:defRPr sz="1848" b="1"/>
+            <a:lvl9pPr marL="3657600" indent="0">
+              <a:buNone/>
+              <a:defRPr sz="1600" b="1"/>
             </a:lvl9pPr>
           </a:lstStyle>
           <a:p>
@@ -1422,8 +1424,8 @@
         </p:nvSpPr>
         <p:spPr>
           <a:xfrm>
-            <a:off x="839789" y="2893014"/>
-            <a:ext cx="5157787" cy="4255188"/>
+            <a:off x="839789" y="2636707"/>
+            <a:ext cx="5157787" cy="3878200"/>
           </a:xfrm>
         </p:spPr>
         <p:txBody>
@@ -1479,8 +1481,8 @@
         </p:nvSpPr>
         <p:spPr>
           <a:xfrm>
-            <a:off x="6172201" y="1941510"/>
-            <a:ext cx="5183188" cy="951504"/>
+            <a:off x="6172200" y="1769502"/>
+            <a:ext cx="5183188" cy="867206"/>
           </a:xfrm>
         </p:spPr>
         <p:txBody>
@@ -1488,39 +1490,39 @@
           <a:lstStyle>
             <a:lvl1pPr marL="0" indent="0">
               <a:buNone/>
-              <a:defRPr sz="2772" b="1"/>
+              <a:defRPr sz="2400" b="1"/>
             </a:lvl1pPr>
-            <a:lvl2pPr marL="528020" indent="0">
-              <a:buNone/>
-              <a:defRPr sz="2310" b="1"/>
+            <a:lvl2pPr marL="457200" indent="0">
+              <a:buNone/>
+              <a:defRPr sz="2000" b="1"/>
             </a:lvl2pPr>
-            <a:lvl3pPr marL="1056041" indent="0">
-              <a:buNone/>
-              <a:defRPr sz="2079" b="1"/>
+            <a:lvl3pPr marL="914400" indent="0">
+              <a:buNone/>
+              <a:defRPr sz="1800" b="1"/>
             </a:lvl3pPr>
-            <a:lvl4pPr marL="1584061" indent="0">
-              <a:buNone/>
-              <a:defRPr sz="1848" b="1"/>
+            <a:lvl4pPr marL="1371600" indent="0">
+              <a:buNone/>
+              <a:defRPr sz="1600" b="1"/>
             </a:lvl4pPr>
-            <a:lvl5pPr marL="2112081" indent="0">
-              <a:buNone/>
-              <a:defRPr sz="1848" b="1"/>
+            <a:lvl5pPr marL="1828800" indent="0">
+              <a:buNone/>
+              <a:defRPr sz="1600" b="1"/>
             </a:lvl5pPr>
-            <a:lvl6pPr marL="2640101" indent="0">
-              <a:buNone/>
-              <a:defRPr sz="1848" b="1"/>
+            <a:lvl6pPr marL="2286000" indent="0">
+              <a:buNone/>
+              <a:defRPr sz="1600" b="1"/>
             </a:lvl6pPr>
-            <a:lvl7pPr marL="3168122" indent="0">
-              <a:buNone/>
-              <a:defRPr sz="1848" b="1"/>
+            <a:lvl7pPr marL="2743200" indent="0">
+              <a:buNone/>
+              <a:defRPr sz="1600" b="1"/>
             </a:lvl7pPr>
-            <a:lvl8pPr marL="3696142" indent="0">
-              <a:buNone/>
-              <a:defRPr sz="1848" b="1"/>
+            <a:lvl8pPr marL="3200400" indent="0">
+              <a:buNone/>
+              <a:defRPr sz="1600" b="1"/>
             </a:lvl8pPr>
-            <a:lvl9pPr marL="4224162" indent="0">
-              <a:buNone/>
-              <a:defRPr sz="1848" b="1"/>
+            <a:lvl9pPr marL="3657600" indent="0">
+              <a:buNone/>
+              <a:defRPr sz="1600" b="1"/>
             </a:lvl9pPr>
           </a:lstStyle>
           <a:p>
@@ -1544,8 +1546,8 @@
         </p:nvSpPr>
         <p:spPr>
           <a:xfrm>
-            <a:off x="6172201" y="2893014"/>
-            <a:ext cx="5183188" cy="4255188"/>
+            <a:off x="6172200" y="2636707"/>
+            <a:ext cx="5183188" cy="3878200"/>
           </a:xfrm>
         </p:spPr>
         <p:txBody>
@@ -1606,7 +1608,7 @@
           <a:p>
             <a:fld id="{F0B056FD-87E8-4D2D-A983-B131F0A5D3E5}" type="datetimeFigureOut">
               <a:rPr lang="es-ES" smtClean="0"/>
-              <a:t>30/11/2021</a:t>
+              <a:t>13/01/2022</a:t>
             </a:fld>
             <a:endParaRPr lang="es-ES"/>
           </a:p>
@@ -1657,7 +1659,7 @@
     </p:spTree>
     <p:extLst>
       <p:ext uri="{BB962C8B-B14F-4D97-AF65-F5344CB8AC3E}">
-        <p14:creationId xmlns:p14="http://schemas.microsoft.com/office/powerpoint/2010/main" val="3949696619"/>
+        <p14:creationId xmlns:p14="http://schemas.microsoft.com/office/powerpoint/2010/main" val="2228137439"/>
       </p:ext>
     </p:extLst>
   </p:cSld>
@@ -1724,7 +1726,7 @@
           <a:p>
             <a:fld id="{F0B056FD-87E8-4D2D-A983-B131F0A5D3E5}" type="datetimeFigureOut">
               <a:rPr lang="es-ES" smtClean="0"/>
-              <a:t>30/11/2021</a:t>
+              <a:t>13/01/2022</a:t>
             </a:fld>
             <a:endParaRPr lang="es-ES"/>
           </a:p>
@@ -1775,7 +1777,7 @@
     </p:spTree>
     <p:extLst>
       <p:ext uri="{BB962C8B-B14F-4D97-AF65-F5344CB8AC3E}">
-        <p14:creationId xmlns:p14="http://schemas.microsoft.com/office/powerpoint/2010/main" val="3761585155"/>
+        <p14:creationId xmlns:p14="http://schemas.microsoft.com/office/powerpoint/2010/main" val="3593041099"/>
       </p:ext>
     </p:extLst>
   </p:cSld>
@@ -1819,7 +1821,7 @@
           <a:p>
             <a:fld id="{F0B056FD-87E8-4D2D-A983-B131F0A5D3E5}" type="datetimeFigureOut">
               <a:rPr lang="es-ES" smtClean="0"/>
-              <a:t>30/11/2021</a:t>
+              <a:t>13/01/2022</a:t>
             </a:fld>
             <a:endParaRPr lang="es-ES"/>
           </a:p>
@@ -1870,7 +1872,7 @@
     </p:spTree>
     <p:extLst>
       <p:ext uri="{BB962C8B-B14F-4D97-AF65-F5344CB8AC3E}">
-        <p14:creationId xmlns:p14="http://schemas.microsoft.com/office/powerpoint/2010/main" val="718134735"/>
+        <p14:creationId xmlns:p14="http://schemas.microsoft.com/office/powerpoint/2010/main" val="1528443068"/>
       </p:ext>
     </p:extLst>
   </p:cSld>
@@ -1909,15 +1911,15 @@
         </p:nvSpPr>
         <p:spPr>
           <a:xfrm>
-            <a:off x="839788" y="528002"/>
-            <a:ext cx="3932237" cy="1848009"/>
+            <a:off x="839789" y="481224"/>
+            <a:ext cx="3932237" cy="1684285"/>
           </a:xfrm>
         </p:spPr>
         <p:txBody>
           <a:bodyPr anchor="b"/>
           <a:lstStyle>
             <a:lvl1pPr>
-              <a:defRPr sz="3696"/>
+              <a:defRPr sz="3200"/>
             </a:lvl1pPr>
           </a:lstStyle>
           <a:p>
@@ -1941,39 +1943,39 @@
         </p:nvSpPr>
         <p:spPr>
           <a:xfrm>
-            <a:off x="5183188" y="1140341"/>
-            <a:ext cx="6172200" cy="5628360"/>
+            <a:off x="5183188" y="1039311"/>
+            <a:ext cx="6172200" cy="5129716"/>
           </a:xfrm>
         </p:spPr>
         <p:txBody>
           <a:bodyPr/>
           <a:lstStyle>
             <a:lvl1pPr>
-              <a:defRPr sz="3696"/>
+              <a:defRPr sz="3200"/>
             </a:lvl1pPr>
             <a:lvl2pPr>
-              <a:defRPr sz="3234"/>
+              <a:defRPr sz="2800"/>
             </a:lvl2pPr>
             <a:lvl3pPr>
-              <a:defRPr sz="2772"/>
+              <a:defRPr sz="2400"/>
             </a:lvl3pPr>
             <a:lvl4pPr>
-              <a:defRPr sz="2310"/>
+              <a:defRPr sz="2000"/>
             </a:lvl4pPr>
             <a:lvl5pPr>
-              <a:defRPr sz="2310"/>
+              <a:defRPr sz="2000"/>
             </a:lvl5pPr>
             <a:lvl6pPr>
-              <a:defRPr sz="2310"/>
+              <a:defRPr sz="2000"/>
             </a:lvl6pPr>
             <a:lvl7pPr>
-              <a:defRPr sz="2310"/>
+              <a:defRPr sz="2000"/>
             </a:lvl7pPr>
             <a:lvl8pPr>
-              <a:defRPr sz="2310"/>
+              <a:defRPr sz="2000"/>
             </a:lvl8pPr>
             <a:lvl9pPr>
-              <a:defRPr sz="2310"/>
+              <a:defRPr sz="2000"/>
             </a:lvl9pPr>
           </a:lstStyle>
           <a:p>
@@ -2026,8 +2028,8 @@
         </p:nvSpPr>
         <p:spPr>
           <a:xfrm>
-            <a:off x="839788" y="2376011"/>
-            <a:ext cx="3932237" cy="4401855"/>
+            <a:off x="839789" y="2165509"/>
+            <a:ext cx="3932237" cy="4011873"/>
           </a:xfrm>
         </p:spPr>
         <p:txBody>
@@ -2035,39 +2037,39 @@
           <a:lstStyle>
             <a:lvl1pPr marL="0" indent="0">
               <a:buNone/>
-              <a:defRPr sz="1848"/>
+              <a:defRPr sz="1600"/>
             </a:lvl1pPr>
-            <a:lvl2pPr marL="528020" indent="0">
-              <a:buNone/>
-              <a:defRPr sz="1617"/>
+            <a:lvl2pPr marL="457200" indent="0">
+              <a:buNone/>
+              <a:defRPr sz="1400"/>
             </a:lvl2pPr>
-            <a:lvl3pPr marL="1056041" indent="0">
-              <a:buNone/>
-              <a:defRPr sz="1386"/>
+            <a:lvl3pPr marL="914400" indent="0">
+              <a:buNone/>
+              <a:defRPr sz="1200"/>
             </a:lvl3pPr>
-            <a:lvl4pPr marL="1584061" indent="0">
-              <a:buNone/>
-              <a:defRPr sz="1155"/>
+            <a:lvl4pPr marL="1371600" indent="0">
+              <a:buNone/>
+              <a:defRPr sz="1000"/>
             </a:lvl4pPr>
-            <a:lvl5pPr marL="2112081" indent="0">
-              <a:buNone/>
-              <a:defRPr sz="1155"/>
+            <a:lvl5pPr marL="1828800" indent="0">
+              <a:buNone/>
+              <a:defRPr sz="1000"/>
             </a:lvl5pPr>
-            <a:lvl6pPr marL="2640101" indent="0">
-              <a:buNone/>
-              <a:defRPr sz="1155"/>
+            <a:lvl6pPr marL="2286000" indent="0">
+              <a:buNone/>
+              <a:defRPr sz="1000"/>
             </a:lvl6pPr>
-            <a:lvl7pPr marL="3168122" indent="0">
-              <a:buNone/>
-              <a:defRPr sz="1155"/>
+            <a:lvl7pPr marL="2743200" indent="0">
+              <a:buNone/>
+              <a:defRPr sz="1000"/>
             </a:lvl7pPr>
-            <a:lvl8pPr marL="3696142" indent="0">
-              <a:buNone/>
-              <a:defRPr sz="1155"/>
+            <a:lvl8pPr marL="3200400" indent="0">
+              <a:buNone/>
+              <a:defRPr sz="1000"/>
             </a:lvl8pPr>
-            <a:lvl9pPr marL="4224162" indent="0">
-              <a:buNone/>
-              <a:defRPr sz="1155"/>
+            <a:lvl9pPr marL="3657600" indent="0">
+              <a:buNone/>
+              <a:defRPr sz="1000"/>
             </a:lvl9pPr>
           </a:lstStyle>
           <a:p>
@@ -2096,7 +2098,7 @@
           <a:p>
             <a:fld id="{F0B056FD-87E8-4D2D-A983-B131F0A5D3E5}" type="datetimeFigureOut">
               <a:rPr lang="es-ES" smtClean="0"/>
-              <a:t>30/11/2021</a:t>
+              <a:t>13/01/2022</a:t>
             </a:fld>
             <a:endParaRPr lang="es-ES"/>
           </a:p>
@@ -2147,7 +2149,7 @@
     </p:spTree>
     <p:extLst>
       <p:ext uri="{BB962C8B-B14F-4D97-AF65-F5344CB8AC3E}">
-        <p14:creationId xmlns:p14="http://schemas.microsoft.com/office/powerpoint/2010/main" val="2429073303"/>
+        <p14:creationId xmlns:p14="http://schemas.microsoft.com/office/powerpoint/2010/main" val="1365763373"/>
       </p:ext>
     </p:extLst>
   </p:cSld>
@@ -2186,15 +2188,15 @@
         </p:nvSpPr>
         <p:spPr>
           <a:xfrm>
-            <a:off x="839788" y="528002"/>
-            <a:ext cx="3932237" cy="1848009"/>
+            <a:off x="839789" y="481224"/>
+            <a:ext cx="3932237" cy="1684285"/>
           </a:xfrm>
         </p:spPr>
         <p:txBody>
           <a:bodyPr anchor="b"/>
           <a:lstStyle>
             <a:lvl1pPr>
-              <a:defRPr sz="3696"/>
+              <a:defRPr sz="3200"/>
             </a:lvl1pPr>
           </a:lstStyle>
           <a:p>
@@ -2218,8 +2220,8 @@
         </p:nvSpPr>
         <p:spPr>
           <a:xfrm>
-            <a:off x="5183188" y="1140341"/>
-            <a:ext cx="6172200" cy="5628360"/>
+            <a:off x="5183188" y="1039311"/>
+            <a:ext cx="6172200" cy="5129716"/>
           </a:xfrm>
         </p:spPr>
         <p:txBody>
@@ -2227,39 +2229,39 @@
           <a:lstStyle>
             <a:lvl1pPr marL="0" indent="0">
               <a:buNone/>
-              <a:defRPr sz="3696"/>
+              <a:defRPr sz="3200"/>
             </a:lvl1pPr>
-            <a:lvl2pPr marL="528020" indent="0">
-              <a:buNone/>
-              <a:defRPr sz="3234"/>
+            <a:lvl2pPr marL="457200" indent="0">
+              <a:buNone/>
+              <a:defRPr sz="2800"/>
             </a:lvl2pPr>
-            <a:lvl3pPr marL="1056041" indent="0">
-              <a:buNone/>
-              <a:defRPr sz="2772"/>
+            <a:lvl3pPr marL="914400" indent="0">
+              <a:buNone/>
+              <a:defRPr sz="2400"/>
             </a:lvl3pPr>
-            <a:lvl4pPr marL="1584061" indent="0">
-              <a:buNone/>
-              <a:defRPr sz="2310"/>
+            <a:lvl4pPr marL="1371600" indent="0">
+              <a:buNone/>
+              <a:defRPr sz="2000"/>
             </a:lvl4pPr>
-            <a:lvl5pPr marL="2112081" indent="0">
-              <a:buNone/>
-              <a:defRPr sz="2310"/>
+            <a:lvl5pPr marL="1828800" indent="0">
+              <a:buNone/>
+              <a:defRPr sz="2000"/>
             </a:lvl5pPr>
-            <a:lvl6pPr marL="2640101" indent="0">
-              <a:buNone/>
-              <a:defRPr sz="2310"/>
+            <a:lvl6pPr marL="2286000" indent="0">
+              <a:buNone/>
+              <a:defRPr sz="2000"/>
             </a:lvl6pPr>
-            <a:lvl7pPr marL="3168122" indent="0">
-              <a:buNone/>
-              <a:defRPr sz="2310"/>
+            <a:lvl7pPr marL="2743200" indent="0">
+              <a:buNone/>
+              <a:defRPr sz="2000"/>
             </a:lvl7pPr>
-            <a:lvl8pPr marL="3696142" indent="0">
-              <a:buNone/>
-              <a:defRPr sz="2310"/>
+            <a:lvl8pPr marL="3200400" indent="0">
+              <a:buNone/>
+              <a:defRPr sz="2000"/>
             </a:lvl8pPr>
-            <a:lvl9pPr marL="4224162" indent="0">
-              <a:buNone/>
-              <a:defRPr sz="2310"/>
+            <a:lvl9pPr marL="3657600" indent="0">
+              <a:buNone/>
+              <a:defRPr sz="2000"/>
             </a:lvl9pPr>
           </a:lstStyle>
           <a:p>
@@ -2283,8 +2285,8 @@
         </p:nvSpPr>
         <p:spPr>
           <a:xfrm>
-            <a:off x="839788" y="2376011"/>
-            <a:ext cx="3932237" cy="4401855"/>
+            <a:off x="839789" y="2165509"/>
+            <a:ext cx="3932237" cy="4011873"/>
           </a:xfrm>
         </p:spPr>
         <p:txBody>
@@ -2292,39 +2294,39 @@
           <a:lstStyle>
             <a:lvl1pPr marL="0" indent="0">
               <a:buNone/>
-              <a:defRPr sz="1848"/>
+              <a:defRPr sz="1600"/>
             </a:lvl1pPr>
-            <a:lvl2pPr marL="528020" indent="0">
-              <a:buNone/>
-              <a:defRPr sz="1617"/>
+            <a:lvl2pPr marL="457200" indent="0">
+              <a:buNone/>
+              <a:defRPr sz="1400"/>
             </a:lvl2pPr>
-            <a:lvl3pPr marL="1056041" indent="0">
-              <a:buNone/>
-              <a:defRPr sz="1386"/>
+            <a:lvl3pPr marL="914400" indent="0">
+              <a:buNone/>
+              <a:defRPr sz="1200"/>
             </a:lvl3pPr>
-            <a:lvl4pPr marL="1584061" indent="0">
-              <a:buNone/>
-              <a:defRPr sz="1155"/>
+            <a:lvl4pPr marL="1371600" indent="0">
+              <a:buNone/>
+              <a:defRPr sz="1000"/>
             </a:lvl4pPr>
-            <a:lvl5pPr marL="2112081" indent="0">
-              <a:buNone/>
-              <a:defRPr sz="1155"/>
+            <a:lvl5pPr marL="1828800" indent="0">
+              <a:buNone/>
+              <a:defRPr sz="1000"/>
             </a:lvl5pPr>
-            <a:lvl6pPr marL="2640101" indent="0">
-              <a:buNone/>
-              <a:defRPr sz="1155"/>
+            <a:lvl6pPr marL="2286000" indent="0">
+              <a:buNone/>
+              <a:defRPr sz="1000"/>
             </a:lvl6pPr>
-            <a:lvl7pPr marL="3168122" indent="0">
-              <a:buNone/>
-              <a:defRPr sz="1155"/>
+            <a:lvl7pPr marL="2743200" indent="0">
+              <a:buNone/>
+              <a:defRPr sz="1000"/>
             </a:lvl7pPr>
-            <a:lvl8pPr marL="3696142" indent="0">
-              <a:buNone/>
-              <a:defRPr sz="1155"/>
+            <a:lvl8pPr marL="3200400" indent="0">
+              <a:buNone/>
+              <a:defRPr sz="1000"/>
             </a:lvl8pPr>
-            <a:lvl9pPr marL="4224162" indent="0">
-              <a:buNone/>
-              <a:defRPr sz="1155"/>
+            <a:lvl9pPr marL="3657600" indent="0">
+              <a:buNone/>
+              <a:defRPr sz="1000"/>
             </a:lvl9pPr>
           </a:lstStyle>
           <a:p>
@@ -2353,7 +2355,7 @@
           <a:p>
             <a:fld id="{F0B056FD-87E8-4D2D-A983-B131F0A5D3E5}" type="datetimeFigureOut">
               <a:rPr lang="es-ES" smtClean="0"/>
-              <a:t>30/11/2021</a:t>
+              <a:t>13/01/2022</a:t>
             </a:fld>
             <a:endParaRPr lang="es-ES"/>
           </a:p>
@@ -2404,7 +2406,7 @@
     </p:spTree>
     <p:extLst>
       <p:ext uri="{BB962C8B-B14F-4D97-AF65-F5344CB8AC3E}">
-        <p14:creationId xmlns:p14="http://schemas.microsoft.com/office/powerpoint/2010/main" val="2215683185"/>
+        <p14:creationId xmlns:p14="http://schemas.microsoft.com/office/powerpoint/2010/main" val="727341514"/>
       </p:ext>
     </p:extLst>
   </p:cSld>
@@ -2448,8 +2450,8 @@
         </p:nvSpPr>
         <p:spPr>
           <a:xfrm>
-            <a:off x="838200" y="421671"/>
-            <a:ext cx="10515600" cy="1530841"/>
+            <a:off x="838200" y="384311"/>
+            <a:ext cx="10515600" cy="1395217"/>
           </a:xfrm>
           <a:prstGeom prst="rect">
             <a:avLst/>
@@ -2481,8 +2483,8 @@
         </p:nvSpPr>
         <p:spPr>
           <a:xfrm>
-            <a:off x="838200" y="2108344"/>
-            <a:ext cx="10515600" cy="5025191"/>
+            <a:off x="838200" y="1921555"/>
+            <a:ext cx="10515600" cy="4579985"/>
           </a:xfrm>
           <a:prstGeom prst="rect">
             <a:avLst/>
@@ -2543,8 +2545,8 @@
         </p:nvSpPr>
         <p:spPr>
           <a:xfrm>
-            <a:off x="838200" y="7340703"/>
-            <a:ext cx="2743200" cy="421669"/>
+            <a:off x="838200" y="6690354"/>
+            <a:ext cx="2743200" cy="384311"/>
           </a:xfrm>
           <a:prstGeom prst="rect">
             <a:avLst/>
@@ -2554,7 +2556,7 @@
           <a:bodyPr vert="horz" lIns="91440" tIns="45720" rIns="91440" bIns="45720" rtlCol="0" anchor="ctr"/>
           <a:lstStyle>
             <a:lvl1pPr algn="l">
-              <a:defRPr sz="1386">
+              <a:defRPr sz="1200">
                 <a:solidFill>
                   <a:schemeClr val="tx1">
                     <a:tint val="75000"/>
@@ -2566,7 +2568,7 @@
           <a:p>
             <a:fld id="{F0B056FD-87E8-4D2D-A983-B131F0A5D3E5}" type="datetimeFigureOut">
               <a:rPr lang="es-ES" smtClean="0"/>
-              <a:t>30/11/2021</a:t>
+              <a:t>13/01/2022</a:t>
             </a:fld>
             <a:endParaRPr lang="es-ES"/>
           </a:p>
@@ -2584,8 +2586,8 @@
         </p:nvSpPr>
         <p:spPr>
           <a:xfrm>
-            <a:off x="4038600" y="7340703"/>
-            <a:ext cx="4114800" cy="421669"/>
+            <a:off x="4038600" y="6690354"/>
+            <a:ext cx="4114800" cy="384311"/>
           </a:xfrm>
           <a:prstGeom prst="rect">
             <a:avLst/>
@@ -2595,7 +2597,7 @@
           <a:bodyPr vert="horz" lIns="91440" tIns="45720" rIns="91440" bIns="45720" rtlCol="0" anchor="ctr"/>
           <a:lstStyle>
             <a:lvl1pPr algn="ctr">
-              <a:defRPr sz="1386">
+              <a:defRPr sz="1200">
                 <a:solidFill>
                   <a:schemeClr val="tx1">
                     <a:tint val="75000"/>
@@ -2621,8 +2623,8 @@
         </p:nvSpPr>
         <p:spPr>
           <a:xfrm>
-            <a:off x="8610600" y="7340703"/>
-            <a:ext cx="2743200" cy="421669"/>
+            <a:off x="8610600" y="6690354"/>
+            <a:ext cx="2743200" cy="384311"/>
           </a:xfrm>
           <a:prstGeom prst="rect">
             <a:avLst/>
@@ -2632,7 +2634,7 @@
           <a:bodyPr vert="horz" lIns="91440" tIns="45720" rIns="91440" bIns="45720" rtlCol="0" anchor="ctr"/>
           <a:lstStyle>
             <a:lvl1pPr algn="r">
-              <a:defRPr sz="1386">
+              <a:defRPr sz="1200">
                 <a:solidFill>
                   <a:schemeClr val="tx1">
                     <a:tint val="75000"/>
@@ -2653,27 +2655,27 @@
     </p:spTree>
     <p:extLst>
       <p:ext uri="{BB962C8B-B14F-4D97-AF65-F5344CB8AC3E}">
-        <p14:creationId xmlns:p14="http://schemas.microsoft.com/office/powerpoint/2010/main" val="1480170304"/>
+        <p14:creationId xmlns:p14="http://schemas.microsoft.com/office/powerpoint/2010/main" val="2263040219"/>
       </p:ext>
     </p:extLst>
   </p:cSld>
   <p:clrMap bg1="lt1" tx1="dk1" bg2="lt2" tx2="dk2" accent1="accent1" accent2="accent2" accent3="accent3" accent4="accent4" accent5="accent5" accent6="accent6" hlink="hlink" folHlink="folHlink"/>
   <p:sldLayoutIdLst>
-    <p:sldLayoutId id="2147483661" r:id="rId1"/>
-    <p:sldLayoutId id="2147483662" r:id="rId2"/>
-    <p:sldLayoutId id="2147483663" r:id="rId3"/>
-    <p:sldLayoutId id="2147483664" r:id="rId4"/>
-    <p:sldLayoutId id="2147483665" r:id="rId5"/>
-    <p:sldLayoutId id="2147483666" r:id="rId6"/>
-    <p:sldLayoutId id="2147483667" r:id="rId7"/>
-    <p:sldLayoutId id="2147483668" r:id="rId8"/>
-    <p:sldLayoutId id="2147483669" r:id="rId9"/>
-    <p:sldLayoutId id="2147483670" r:id="rId10"/>
-    <p:sldLayoutId id="2147483671" r:id="rId11"/>
+    <p:sldLayoutId id="2147483685" r:id="rId1"/>
+    <p:sldLayoutId id="2147483686" r:id="rId2"/>
+    <p:sldLayoutId id="2147483687" r:id="rId3"/>
+    <p:sldLayoutId id="2147483688" r:id="rId4"/>
+    <p:sldLayoutId id="2147483689" r:id="rId5"/>
+    <p:sldLayoutId id="2147483690" r:id="rId6"/>
+    <p:sldLayoutId id="2147483691" r:id="rId7"/>
+    <p:sldLayoutId id="2147483692" r:id="rId8"/>
+    <p:sldLayoutId id="2147483693" r:id="rId9"/>
+    <p:sldLayoutId id="2147483694" r:id="rId10"/>
+    <p:sldLayoutId id="2147483695" r:id="rId11"/>
   </p:sldLayoutIdLst>
   <p:txStyles>
     <p:titleStyle>
-      <a:lvl1pPr algn="l" defTabSz="1056041" rtl="0" eaLnBrk="1" latinLnBrk="0" hangingPunct="1">
+      <a:lvl1pPr algn="l" defTabSz="914400" rtl="0" eaLnBrk="1" latinLnBrk="0" hangingPunct="1">
         <a:lnSpc>
           <a:spcPct val="90000"/>
         </a:lnSpc>
@@ -2681,7 +2683,7 @@
           <a:spcPct val="0"/>
         </a:spcBef>
         <a:buNone/>
-        <a:defRPr sz="5082" kern="1200">
+        <a:defRPr sz="4400" kern="1200">
           <a:solidFill>
             <a:schemeClr val="tx1"/>
           </a:solidFill>
@@ -2692,16 +2694,16 @@
       </a:lvl1pPr>
     </p:titleStyle>
     <p:bodyStyle>
-      <a:lvl1pPr marL="264010" indent="-264010" algn="l" defTabSz="1056041" rtl="0" eaLnBrk="1" latinLnBrk="0" hangingPunct="1">
+      <a:lvl1pPr marL="228600" indent="-228600" algn="l" defTabSz="914400" rtl="0" eaLnBrk="1" latinLnBrk="0" hangingPunct="1">
         <a:lnSpc>
           <a:spcPct val="90000"/>
         </a:lnSpc>
         <a:spcBef>
-          <a:spcPts val="1155"/>
+          <a:spcPts val="1000"/>
         </a:spcBef>
         <a:buFont typeface="Arial" panose="020B0604020202020204" pitchFamily="34" charset="0"/>
         <a:buChar char="•"/>
-        <a:defRPr sz="3234" kern="1200">
+        <a:defRPr sz="2800" kern="1200">
           <a:solidFill>
             <a:schemeClr val="tx1"/>
           </a:solidFill>
@@ -2710,16 +2712,16 @@
           <a:cs typeface="+mn-cs"/>
         </a:defRPr>
       </a:lvl1pPr>
-      <a:lvl2pPr marL="792030" indent="-264010" algn="l" defTabSz="1056041" rtl="0" eaLnBrk="1" latinLnBrk="0" hangingPunct="1">
+      <a:lvl2pPr marL="685800" indent="-228600" algn="l" defTabSz="914400" rtl="0" eaLnBrk="1" latinLnBrk="0" hangingPunct="1">
         <a:lnSpc>
           <a:spcPct val="90000"/>
         </a:lnSpc>
         <a:spcBef>
-          <a:spcPts val="577"/>
+          <a:spcPts val="500"/>
         </a:spcBef>
         <a:buFont typeface="Arial" panose="020B0604020202020204" pitchFamily="34" charset="0"/>
         <a:buChar char="•"/>
-        <a:defRPr sz="2772" kern="1200">
+        <a:defRPr sz="2400" kern="1200">
           <a:solidFill>
             <a:schemeClr val="tx1"/>
           </a:solidFill>
@@ -2728,16 +2730,16 @@
           <a:cs typeface="+mn-cs"/>
         </a:defRPr>
       </a:lvl2pPr>
-      <a:lvl3pPr marL="1320051" indent="-264010" algn="l" defTabSz="1056041" rtl="0" eaLnBrk="1" latinLnBrk="0" hangingPunct="1">
+      <a:lvl3pPr marL="1143000" indent="-228600" algn="l" defTabSz="914400" rtl="0" eaLnBrk="1" latinLnBrk="0" hangingPunct="1">
         <a:lnSpc>
           <a:spcPct val="90000"/>
         </a:lnSpc>
         <a:spcBef>
-          <a:spcPts val="577"/>
+          <a:spcPts val="500"/>
         </a:spcBef>
         <a:buFont typeface="Arial" panose="020B0604020202020204" pitchFamily="34" charset="0"/>
         <a:buChar char="•"/>
-        <a:defRPr sz="2310" kern="1200">
+        <a:defRPr sz="2000" kern="1200">
           <a:solidFill>
             <a:schemeClr val="tx1"/>
           </a:solidFill>
@@ -2746,16 +2748,16 @@
           <a:cs typeface="+mn-cs"/>
         </a:defRPr>
       </a:lvl3pPr>
-      <a:lvl4pPr marL="1848071" indent="-264010" algn="l" defTabSz="1056041" rtl="0" eaLnBrk="1" latinLnBrk="0" hangingPunct="1">
+      <a:lvl4pPr marL="1600200" indent="-228600" algn="l" defTabSz="914400" rtl="0" eaLnBrk="1" latinLnBrk="0" hangingPunct="1">
         <a:lnSpc>
           <a:spcPct val="90000"/>
         </a:lnSpc>
         <a:spcBef>
-          <a:spcPts val="577"/>
+          <a:spcPts val="500"/>
         </a:spcBef>
         <a:buFont typeface="Arial" panose="020B0604020202020204" pitchFamily="34" charset="0"/>
         <a:buChar char="•"/>
-        <a:defRPr sz="2079" kern="1200">
+        <a:defRPr sz="1800" kern="1200">
           <a:solidFill>
             <a:schemeClr val="tx1"/>
           </a:solidFill>
@@ -2764,16 +2766,16 @@
           <a:cs typeface="+mn-cs"/>
         </a:defRPr>
       </a:lvl4pPr>
-      <a:lvl5pPr marL="2376091" indent="-264010" algn="l" defTabSz="1056041" rtl="0" eaLnBrk="1" latinLnBrk="0" hangingPunct="1">
+      <a:lvl5pPr marL="2057400" indent="-228600" algn="l" defTabSz="914400" rtl="0" eaLnBrk="1" latinLnBrk="0" hangingPunct="1">
         <a:lnSpc>
           <a:spcPct val="90000"/>
         </a:lnSpc>
         <a:spcBef>
-          <a:spcPts val="577"/>
+          <a:spcPts val="500"/>
         </a:spcBef>
         <a:buFont typeface="Arial" panose="020B0604020202020204" pitchFamily="34" charset="0"/>
         <a:buChar char="•"/>
-        <a:defRPr sz="2079" kern="1200">
+        <a:defRPr sz="1800" kern="1200">
           <a:solidFill>
             <a:schemeClr val="tx1"/>
           </a:solidFill>
@@ -2782,16 +2784,16 @@
           <a:cs typeface="+mn-cs"/>
         </a:defRPr>
       </a:lvl5pPr>
-      <a:lvl6pPr marL="2904112" indent="-264010" algn="l" defTabSz="1056041" rtl="0" eaLnBrk="1" latinLnBrk="0" hangingPunct="1">
+      <a:lvl6pPr marL="2514600" indent="-228600" algn="l" defTabSz="914400" rtl="0" eaLnBrk="1" latinLnBrk="0" hangingPunct="1">
         <a:lnSpc>
           <a:spcPct val="90000"/>
         </a:lnSpc>
         <a:spcBef>
-          <a:spcPts val="577"/>
+          <a:spcPts val="500"/>
         </a:spcBef>
         <a:buFont typeface="Arial" panose="020B0604020202020204" pitchFamily="34" charset="0"/>
         <a:buChar char="•"/>
-        <a:defRPr sz="2079" kern="1200">
+        <a:defRPr sz="1800" kern="1200">
           <a:solidFill>
             <a:schemeClr val="tx1"/>
           </a:solidFill>
@@ -2800,16 +2802,16 @@
           <a:cs typeface="+mn-cs"/>
         </a:defRPr>
       </a:lvl6pPr>
-      <a:lvl7pPr marL="3432132" indent="-264010" algn="l" defTabSz="1056041" rtl="0" eaLnBrk="1" latinLnBrk="0" hangingPunct="1">
+      <a:lvl7pPr marL="2971800" indent="-228600" algn="l" defTabSz="914400" rtl="0" eaLnBrk="1" latinLnBrk="0" hangingPunct="1">
         <a:lnSpc>
           <a:spcPct val="90000"/>
         </a:lnSpc>
         <a:spcBef>
-          <a:spcPts val="577"/>
+          <a:spcPts val="500"/>
         </a:spcBef>
         <a:buFont typeface="Arial" panose="020B0604020202020204" pitchFamily="34" charset="0"/>
         <a:buChar char="•"/>
-        <a:defRPr sz="2079" kern="1200">
+        <a:defRPr sz="1800" kern="1200">
           <a:solidFill>
             <a:schemeClr val="tx1"/>
           </a:solidFill>
@@ -2818,16 +2820,16 @@
           <a:cs typeface="+mn-cs"/>
         </a:defRPr>
       </a:lvl7pPr>
-      <a:lvl8pPr marL="3960152" indent="-264010" algn="l" defTabSz="1056041" rtl="0" eaLnBrk="1" latinLnBrk="0" hangingPunct="1">
+      <a:lvl8pPr marL="3429000" indent="-228600" algn="l" defTabSz="914400" rtl="0" eaLnBrk="1" latinLnBrk="0" hangingPunct="1">
         <a:lnSpc>
           <a:spcPct val="90000"/>
         </a:lnSpc>
         <a:spcBef>
-          <a:spcPts val="577"/>
+          <a:spcPts val="500"/>
         </a:spcBef>
         <a:buFont typeface="Arial" panose="020B0604020202020204" pitchFamily="34" charset="0"/>
         <a:buChar char="•"/>
-        <a:defRPr sz="2079" kern="1200">
+        <a:defRPr sz="1800" kern="1200">
           <a:solidFill>
             <a:schemeClr val="tx1"/>
           </a:solidFill>
@@ -2836,16 +2838,16 @@
           <a:cs typeface="+mn-cs"/>
         </a:defRPr>
       </a:lvl8pPr>
-      <a:lvl9pPr marL="4488172" indent="-264010" algn="l" defTabSz="1056041" rtl="0" eaLnBrk="1" latinLnBrk="0" hangingPunct="1">
+      <a:lvl9pPr marL="3886200" indent="-228600" algn="l" defTabSz="914400" rtl="0" eaLnBrk="1" latinLnBrk="0" hangingPunct="1">
         <a:lnSpc>
           <a:spcPct val="90000"/>
         </a:lnSpc>
         <a:spcBef>
-          <a:spcPts val="577"/>
+          <a:spcPts val="500"/>
         </a:spcBef>
         <a:buFont typeface="Arial" panose="020B0604020202020204" pitchFamily="34" charset="0"/>
         <a:buChar char="•"/>
-        <a:defRPr sz="2079" kern="1200">
+        <a:defRPr sz="1800" kern="1200">
           <a:solidFill>
             <a:schemeClr val="tx1"/>
           </a:solidFill>
@@ -2859,8 +2861,8 @@
       <a:defPPr>
         <a:defRPr lang="en-US"/>
       </a:defPPr>
-      <a:lvl1pPr marL="0" algn="l" defTabSz="1056041" rtl="0" eaLnBrk="1" latinLnBrk="0" hangingPunct="1">
-        <a:defRPr sz="2079" kern="1200">
+      <a:lvl1pPr marL="0" algn="l" defTabSz="914400" rtl="0" eaLnBrk="1" latinLnBrk="0" hangingPunct="1">
+        <a:defRPr sz="1800" kern="1200">
           <a:solidFill>
             <a:schemeClr val="tx1"/>
           </a:solidFill>
@@ -2869,8 +2871,8 @@
           <a:cs typeface="+mn-cs"/>
         </a:defRPr>
       </a:lvl1pPr>
-      <a:lvl2pPr marL="528020" algn="l" defTabSz="1056041" rtl="0" eaLnBrk="1" latinLnBrk="0" hangingPunct="1">
-        <a:defRPr sz="2079" kern="1200">
+      <a:lvl2pPr marL="457200" algn="l" defTabSz="914400" rtl="0" eaLnBrk="1" latinLnBrk="0" hangingPunct="1">
+        <a:defRPr sz="1800" kern="1200">
           <a:solidFill>
             <a:schemeClr val="tx1"/>
           </a:solidFill>
@@ -2879,8 +2881,8 @@
           <a:cs typeface="+mn-cs"/>
         </a:defRPr>
       </a:lvl2pPr>
-      <a:lvl3pPr marL="1056041" algn="l" defTabSz="1056041" rtl="0" eaLnBrk="1" latinLnBrk="0" hangingPunct="1">
-        <a:defRPr sz="2079" kern="1200">
+      <a:lvl3pPr marL="914400" algn="l" defTabSz="914400" rtl="0" eaLnBrk="1" latinLnBrk="0" hangingPunct="1">
+        <a:defRPr sz="1800" kern="1200">
           <a:solidFill>
             <a:schemeClr val="tx1"/>
           </a:solidFill>
@@ -2889,8 +2891,8 @@
           <a:cs typeface="+mn-cs"/>
         </a:defRPr>
       </a:lvl3pPr>
-      <a:lvl4pPr marL="1584061" algn="l" defTabSz="1056041" rtl="0" eaLnBrk="1" latinLnBrk="0" hangingPunct="1">
-        <a:defRPr sz="2079" kern="1200">
+      <a:lvl4pPr marL="1371600" algn="l" defTabSz="914400" rtl="0" eaLnBrk="1" latinLnBrk="0" hangingPunct="1">
+        <a:defRPr sz="1800" kern="1200">
           <a:solidFill>
             <a:schemeClr val="tx1"/>
           </a:solidFill>
@@ -2899,8 +2901,8 @@
           <a:cs typeface="+mn-cs"/>
         </a:defRPr>
       </a:lvl4pPr>
-      <a:lvl5pPr marL="2112081" algn="l" defTabSz="1056041" rtl="0" eaLnBrk="1" latinLnBrk="0" hangingPunct="1">
-        <a:defRPr sz="2079" kern="1200">
+      <a:lvl5pPr marL="1828800" algn="l" defTabSz="914400" rtl="0" eaLnBrk="1" latinLnBrk="0" hangingPunct="1">
+        <a:defRPr sz="1800" kern="1200">
           <a:solidFill>
             <a:schemeClr val="tx1"/>
           </a:solidFill>
@@ -2909,8 +2911,8 @@
           <a:cs typeface="+mn-cs"/>
         </a:defRPr>
       </a:lvl5pPr>
-      <a:lvl6pPr marL="2640101" algn="l" defTabSz="1056041" rtl="0" eaLnBrk="1" latinLnBrk="0" hangingPunct="1">
-        <a:defRPr sz="2079" kern="1200">
+      <a:lvl6pPr marL="2286000" algn="l" defTabSz="914400" rtl="0" eaLnBrk="1" latinLnBrk="0" hangingPunct="1">
+        <a:defRPr sz="1800" kern="1200">
           <a:solidFill>
             <a:schemeClr val="tx1"/>
           </a:solidFill>
@@ -2919,8 +2921,8 @@
           <a:cs typeface="+mn-cs"/>
         </a:defRPr>
       </a:lvl6pPr>
-      <a:lvl7pPr marL="3168122" algn="l" defTabSz="1056041" rtl="0" eaLnBrk="1" latinLnBrk="0" hangingPunct="1">
-        <a:defRPr sz="2079" kern="1200">
+      <a:lvl7pPr marL="2743200" algn="l" defTabSz="914400" rtl="0" eaLnBrk="1" latinLnBrk="0" hangingPunct="1">
+        <a:defRPr sz="1800" kern="1200">
           <a:solidFill>
             <a:schemeClr val="tx1"/>
           </a:solidFill>
@@ -2929,8 +2931,8 @@
           <a:cs typeface="+mn-cs"/>
         </a:defRPr>
       </a:lvl7pPr>
-      <a:lvl8pPr marL="3696142" algn="l" defTabSz="1056041" rtl="0" eaLnBrk="1" latinLnBrk="0" hangingPunct="1">
-        <a:defRPr sz="2079" kern="1200">
+      <a:lvl8pPr marL="3200400" algn="l" defTabSz="914400" rtl="0" eaLnBrk="1" latinLnBrk="0" hangingPunct="1">
+        <a:defRPr sz="1800" kern="1200">
           <a:solidFill>
             <a:schemeClr val="tx1"/>
           </a:solidFill>
@@ -2939,8 +2941,8 @@
           <a:cs typeface="+mn-cs"/>
         </a:defRPr>
       </a:lvl8pPr>
-      <a:lvl9pPr marL="4224162" algn="l" defTabSz="1056041" rtl="0" eaLnBrk="1" latinLnBrk="0" hangingPunct="1">
-        <a:defRPr sz="2079" kern="1200">
+      <a:lvl9pPr marL="3657600" algn="l" defTabSz="914400" rtl="0" eaLnBrk="1" latinLnBrk="0" hangingPunct="1">
+        <a:defRPr sz="1800" kern="1200">
           <a:solidFill>
             <a:schemeClr val="tx1"/>
           </a:solidFill>
@@ -2973,10 +2975,10 @@
       </p:grpSpPr>
       <p:sp>
         <p:nvSpPr>
-          <p:cNvPr id="96" name="Rectangle 95">
+          <p:cNvPr id="6" name="Cloud 5">
             <a:extLst>
               <a:ext uri="{FF2B5EF4-FFF2-40B4-BE49-F238E27FC236}">
-                <a16:creationId xmlns:a16="http://schemas.microsoft.com/office/drawing/2014/main" id="{95B537C9-961A-42CB-A53D-C75F5E3C4BEF}"/>
+                <a16:creationId xmlns:a16="http://schemas.microsoft.com/office/drawing/2014/main" id="{3820EEF4-CCDF-4E06-984D-4B9C6E3C2E2E}"/>
               </a:ext>
             </a:extLst>
           </p:cNvPr>
@@ -2985,21 +2987,15 @@
         </p:nvSpPr>
         <p:spPr>
           <a:xfrm>
-            <a:off x="10190" y="2988688"/>
-            <a:ext cx="11916000" cy="3672000"/>
-          </a:xfrm>
-          <a:prstGeom prst="rect">
+            <a:off x="3159037" y="6155394"/>
+            <a:ext cx="5379819" cy="988112"/>
+          </a:xfrm>
+          <a:prstGeom prst="cloud">
             <a:avLst/>
           </a:prstGeom>
-          <a:noFill/>
-          <a:ln>
-            <a:solidFill>
-              <a:schemeClr val="accent2">
-                <a:lumMod val="60000"/>
-                <a:lumOff val="40000"/>
-              </a:schemeClr>
-            </a:solidFill>
-          </a:ln>
+          <a:solidFill>
+            <a:schemeClr val="bg1"/>
+          </a:solidFill>
         </p:spPr>
         <p:style>
           <a:lnRef idx="2">
@@ -3040,8 +3036,8 @@
         </p:nvSpPr>
         <p:spPr>
           <a:xfrm>
-            <a:off x="63500" y="5794965"/>
-            <a:ext cx="11808000" cy="792000"/>
+            <a:off x="363818" y="4977970"/>
+            <a:ext cx="11808001" cy="792000"/>
           </a:xfrm>
           <a:prstGeom prst="rect">
             <a:avLst/>
@@ -3098,8 +3094,8 @@
         </p:nvSpPr>
         <p:spPr>
           <a:xfrm>
-            <a:off x="63500" y="321332"/>
-            <a:ext cx="11808000" cy="2154600"/>
+            <a:off x="363818" y="302939"/>
+            <a:ext cx="11808001" cy="1714709"/>
           </a:xfrm>
           <a:prstGeom prst="rect">
             <a:avLst/>
@@ -3156,8 +3152,8 @@
         </p:nvSpPr>
         <p:spPr>
           <a:xfrm>
-            <a:off x="63500" y="3043813"/>
-            <a:ext cx="11808000" cy="2667000"/>
+            <a:off x="363818" y="2404617"/>
+            <a:ext cx="11808001" cy="2495010"/>
           </a:xfrm>
           <a:prstGeom prst="rect">
             <a:avLst/>
@@ -3213,9 +3209,9 @@
           <p:nvPr/>
         </p:nvSpPr>
         <p:spPr>
-          <a:xfrm>
-            <a:off x="10189" y="-68332"/>
-            <a:ext cx="1433285" cy="461665"/>
+          <a:xfrm rot="16200000">
+            <a:off x="-643826" y="934274"/>
+            <a:ext cx="1698563" cy="461665"/>
           </a:xfrm>
           <a:prstGeom prst="rect">
             <a:avLst/>
@@ -3228,6 +3224,7 @@
           </a:bodyPr>
           <a:lstStyle/>
           <a:p>
+            <a:pPr algn="ctr"/>
             <a:r>
               <a:rPr lang="en-US" sz="2400" dirty="0">
                 <a:latin typeface="Arial" panose="020B0604020202020204" pitchFamily="34" charset="0"/>
@@ -3255,9 +3252,9 @@
           <p:nvPr/>
         </p:nvSpPr>
         <p:spPr>
-          <a:xfrm>
-            <a:off x="10767784" y="6661443"/>
-            <a:ext cx="1476830" cy="461665"/>
+          <a:xfrm rot="16200000">
+            <a:off x="-1499592" y="3854159"/>
+            <a:ext cx="3360746" cy="461665"/>
           </a:xfrm>
           <a:prstGeom prst="rect">
             <a:avLst/>
@@ -3270,6 +3267,7 @@
           </a:bodyPr>
           <a:lstStyle/>
           <a:p>
+            <a:pPr algn="ctr"/>
             <a:r>
               <a:rPr lang="en-US" sz="2400" dirty="0">
                 <a:latin typeface="Arial" panose="020B0604020202020204" pitchFamily="34" charset="0"/>
@@ -3299,9 +3297,9 @@
           <p:nvPr/>
         </p:nvCxnSpPr>
         <p:spPr>
-          <a:xfrm>
-            <a:off x="3015600" y="10319"/>
-            <a:ext cx="0" cy="7560000"/>
+          <a:xfrm flipH="1">
+            <a:off x="3315817" y="5370"/>
+            <a:ext cx="100" cy="5760000"/>
           </a:xfrm>
           <a:prstGeom prst="line">
             <a:avLst/>
@@ -3341,8 +3339,8 @@
         </p:nvCxnSpPr>
         <p:spPr>
           <a:xfrm flipH="1">
-            <a:off x="5967600" y="10319"/>
-            <a:ext cx="0" cy="7560000"/>
+            <a:off x="6267917" y="5370"/>
+            <a:ext cx="0" cy="5760000"/>
           </a:xfrm>
           <a:prstGeom prst="line">
             <a:avLst/>
@@ -3382,8 +3380,8 @@
         </p:nvCxnSpPr>
         <p:spPr>
           <a:xfrm>
-            <a:off x="8919600" y="10313"/>
-            <a:ext cx="0" cy="7560000"/>
+            <a:off x="9219917" y="5364"/>
+            <a:ext cx="0" cy="5760000"/>
           </a:xfrm>
           <a:prstGeom prst="line">
             <a:avLst/>
@@ -3421,8 +3419,8 @@
         </p:nvSpPr>
         <p:spPr>
           <a:xfrm>
-            <a:off x="63501" y="7222961"/>
-            <a:ext cx="3438071" cy="400110"/>
+            <a:off x="363817" y="-36468"/>
+            <a:ext cx="2952000" cy="400110"/>
           </a:xfrm>
           <a:prstGeom prst="rect">
             <a:avLst/>
@@ -3435,12 +3433,13 @@
           </a:bodyPr>
           <a:lstStyle/>
           <a:p>
+            <a:pPr algn="ctr"/>
             <a:r>
               <a:rPr lang="en-US" sz="2000" dirty="0">
                 <a:latin typeface="Arial" panose="020B0604020202020204" pitchFamily="34" charset="0"/>
                 <a:cs typeface="Arial" panose="020B0604020202020204" pitchFamily="34" charset="0"/>
               </a:rPr>
-              <a:t>Multi-user Interactions</a:t>
+              <a:t>Multi-user interactions</a:t>
             </a:r>
             <a:endParaRPr lang="es-ES" sz="2000" dirty="0">
               <a:latin typeface="Arial" panose="020B0604020202020204" pitchFamily="34" charset="0"/>
@@ -3463,8 +3462,8 @@
         </p:nvSpPr>
         <p:spPr>
           <a:xfrm>
-            <a:off x="2998857" y="7219616"/>
-            <a:ext cx="1877786" cy="400110"/>
+            <a:off x="3299174" y="-39813"/>
+            <a:ext cx="2952000" cy="400110"/>
           </a:xfrm>
           <a:prstGeom prst="rect">
             <a:avLst/>
@@ -3477,12 +3476,13 @@
           </a:bodyPr>
           <a:lstStyle/>
           <a:p>
-            <a:r>
-              <a:rPr lang="en-US" sz="2000" dirty="0">
+            <a:pPr algn="ctr"/>
+            <a:r>
+              <a:rPr lang="en-US" sz="2000">
                 <a:latin typeface="Arial" panose="020B0604020202020204" pitchFamily="34" charset="0"/>
                 <a:cs typeface="Arial" panose="020B0604020202020204" pitchFamily="34" charset="0"/>
               </a:rPr>
-              <a:t>Data Storage</a:t>
+              <a:t>Data storage</a:t>
             </a:r>
             <a:endParaRPr lang="es-ES" sz="2000" dirty="0">
               <a:latin typeface="Arial" panose="020B0604020202020204" pitchFamily="34" charset="0"/>
@@ -3505,8 +3505,8 @@
         </p:nvSpPr>
         <p:spPr>
           <a:xfrm>
-            <a:off x="5943600" y="7222961"/>
-            <a:ext cx="3178629" cy="400110"/>
+            <a:off x="6243916" y="-36468"/>
+            <a:ext cx="2952000" cy="400110"/>
           </a:xfrm>
           <a:prstGeom prst="rect">
             <a:avLst/>
@@ -3519,6 +3519,7 @@
           </a:bodyPr>
           <a:lstStyle/>
           <a:p>
+            <a:pPr algn="ctr"/>
             <a:r>
               <a:rPr lang="en-US" sz="2000" dirty="0">
                 <a:latin typeface="Arial" panose="020B0604020202020204" pitchFamily="34" charset="0"/>
@@ -3547,8 +3548,8 @@
         </p:nvSpPr>
         <p:spPr>
           <a:xfrm>
-            <a:off x="9007930" y="7222961"/>
-            <a:ext cx="2815763" cy="400110"/>
+            <a:off x="9219919" y="-49915"/>
+            <a:ext cx="2951901" cy="400110"/>
           </a:xfrm>
           <a:prstGeom prst="rect">
             <a:avLst/>
@@ -3561,6 +3562,7 @@
           </a:bodyPr>
           <a:lstStyle/>
           <a:p>
+            <a:pPr algn="ctr"/>
             <a:r>
               <a:rPr lang="en-US" sz="2000" dirty="0">
                 <a:latin typeface="Arial" panose="020B0604020202020204" pitchFamily="34" charset="0"/>
@@ -3606,7 +3608,7 @@
         </p:blipFill>
         <p:spPr>
           <a:xfrm>
-            <a:off x="127617" y="5916875"/>
+            <a:off x="427938" y="5099884"/>
             <a:ext cx="553275" cy="553275"/>
           </a:xfrm>
           <a:prstGeom prst="rect">
@@ -3628,8 +3630,8 @@
         </p:nvSpPr>
         <p:spPr>
           <a:xfrm>
-            <a:off x="135600" y="393332"/>
-            <a:ext cx="2808000" cy="792000"/>
+            <a:off x="435917" y="374937"/>
+            <a:ext cx="2808000" cy="720000"/>
           </a:xfrm>
           <a:prstGeom prst="rect">
             <a:avLst/>
@@ -3696,8 +3698,8 @@
         </p:nvSpPr>
         <p:spPr>
           <a:xfrm>
-            <a:off x="160275" y="1611718"/>
-            <a:ext cx="1336510" cy="687840"/>
+            <a:off x="435917" y="1205444"/>
+            <a:ext cx="1336510" cy="720000"/>
           </a:xfrm>
           <a:prstGeom prst="rect">
             <a:avLst/>
@@ -3764,8 +3766,8 @@
         </p:nvSpPr>
         <p:spPr>
           <a:xfrm>
-            <a:off x="1593561" y="1615558"/>
-            <a:ext cx="1330833" cy="684000"/>
+            <a:off x="1906829" y="1205444"/>
+            <a:ext cx="1330833" cy="720000"/>
           </a:xfrm>
           <a:prstGeom prst="rect">
             <a:avLst/>
@@ -3806,20 +3808,7 @@
                 <a:latin typeface="Arial" panose="020B0604020202020204" pitchFamily="34" charset="0"/>
                 <a:cs typeface="Arial" panose="020B0604020202020204" pitchFamily="34" charset="0"/>
               </a:rPr>
-              <a:t>Unity</a:t>
-            </a:r>
-          </a:p>
-          <a:p>
-            <a:pPr algn="ctr"/>
-            <a:r>
-              <a:rPr lang="en-US" dirty="0">
-                <a:solidFill>
-                  <a:schemeClr val="tx1"/>
-                </a:solidFill>
-                <a:latin typeface="Arial" panose="020B0604020202020204" pitchFamily="34" charset="0"/>
-                <a:cs typeface="Arial" panose="020B0604020202020204" pitchFamily="34" charset="0"/>
-              </a:rPr>
-              <a:t>Client</a:t>
+              <a:t>Unity Client</a:t>
             </a:r>
             <a:endParaRPr lang="es-ES" dirty="0">
               <a:solidFill>
@@ -3845,8 +3834,8 @@
         </p:nvSpPr>
         <p:spPr>
           <a:xfrm>
-            <a:off x="3087601" y="393332"/>
-            <a:ext cx="2809447" cy="792000"/>
+            <a:off x="3387922" y="374937"/>
+            <a:ext cx="2809447" cy="720000"/>
           </a:xfrm>
           <a:prstGeom prst="rect">
             <a:avLst/>
@@ -3887,7 +3876,7 @@
                 <a:latin typeface="Arial" panose="020B0604020202020204" pitchFamily="34" charset="0"/>
                 <a:cs typeface="Arial" panose="020B0604020202020204" pitchFamily="34" charset="0"/>
               </a:rPr>
-              <a:t>Data logging API</a:t>
+              <a:t>Logging API</a:t>
             </a:r>
             <a:endParaRPr lang="es-ES" dirty="0">
               <a:solidFill>
@@ -3913,8 +3902,8 @@
         </p:nvSpPr>
         <p:spPr>
           <a:xfrm>
-            <a:off x="6039600" y="393332"/>
-            <a:ext cx="2808000" cy="792000"/>
+            <a:off x="6339917" y="374937"/>
+            <a:ext cx="2808000" cy="720000"/>
           </a:xfrm>
           <a:prstGeom prst="rect">
             <a:avLst/>
@@ -3981,8 +3970,8 @@
         </p:nvSpPr>
         <p:spPr>
           <a:xfrm>
-            <a:off x="6020914" y="1599332"/>
-            <a:ext cx="1495621" cy="684000"/>
+            <a:off x="6345166" y="1205444"/>
+            <a:ext cx="1495621" cy="720000"/>
           </a:xfrm>
           <a:prstGeom prst="rect">
             <a:avLst/>
@@ -4023,20 +4012,7 @@
                 <a:latin typeface="Arial" panose="020B0604020202020204" pitchFamily="34" charset="0"/>
                 <a:cs typeface="Arial" panose="020B0604020202020204" pitchFamily="34" charset="0"/>
               </a:rPr>
-              <a:t>App</a:t>
-            </a:r>
-          </a:p>
-          <a:p>
-            <a:pPr algn="ctr"/>
-            <a:r>
-              <a:rPr lang="en-US" dirty="0">
-                <a:solidFill>
-                  <a:schemeClr val="tx1"/>
-                </a:solidFill>
-                <a:latin typeface="Arial" panose="020B0604020202020204" pitchFamily="34" charset="0"/>
-                <a:cs typeface="Arial" panose="020B0604020202020204" pitchFamily="34" charset="0"/>
-              </a:rPr>
-              <a:t>optimization</a:t>
+              <a:t>App optimization</a:t>
             </a:r>
             <a:endParaRPr lang="es-ES" dirty="0">
               <a:solidFill>
@@ -4062,8 +4038,8 @@
         </p:nvSpPr>
         <p:spPr>
           <a:xfrm>
-            <a:off x="8991600" y="393332"/>
-            <a:ext cx="2808000" cy="792000"/>
+            <a:off x="9291917" y="374937"/>
+            <a:ext cx="2808000" cy="720000"/>
           </a:xfrm>
           <a:prstGeom prst="rect">
             <a:avLst/>
@@ -4130,8 +4106,8 @@
         </p:nvSpPr>
         <p:spPr>
           <a:xfrm>
-            <a:off x="135600" y="3128012"/>
-            <a:ext cx="2808000" cy="792000"/>
+            <a:off x="435917" y="2488818"/>
+            <a:ext cx="2808000" cy="720000"/>
           </a:xfrm>
           <a:prstGeom prst="rect">
             <a:avLst/>
@@ -4198,8 +4174,8 @@
         </p:nvSpPr>
         <p:spPr>
           <a:xfrm>
-            <a:off x="135600" y="3992012"/>
-            <a:ext cx="2808000" cy="792000"/>
+            <a:off x="435917" y="3285583"/>
+            <a:ext cx="2808000" cy="720000"/>
           </a:xfrm>
           <a:prstGeom prst="rect">
             <a:avLst/>
@@ -4266,8 +4242,8 @@
         </p:nvSpPr>
         <p:spPr>
           <a:xfrm>
-            <a:off x="135600" y="4856012"/>
-            <a:ext cx="2808000" cy="792000"/>
+            <a:off x="435917" y="4082348"/>
+            <a:ext cx="2808000" cy="720000"/>
           </a:xfrm>
           <a:prstGeom prst="rect">
             <a:avLst/>
@@ -4334,8 +4310,8 @@
         </p:nvSpPr>
         <p:spPr>
           <a:xfrm>
-            <a:off x="3087600" y="3128012"/>
-            <a:ext cx="2808000" cy="792000"/>
+            <a:off x="3387917" y="2488818"/>
+            <a:ext cx="2808000" cy="720000"/>
           </a:xfrm>
           <a:prstGeom prst="rect">
             <a:avLst/>
@@ -4369,6 +4345,16 @@
           <a:p>
             <a:pPr algn="ctr"/>
             <a:r>
+              <a:rPr lang="en-US" dirty="0" err="1">
+                <a:solidFill>
+                  <a:schemeClr val="tx1"/>
+                </a:solidFill>
+                <a:latin typeface="Arial" panose="020B0604020202020204" pitchFamily="34" charset="0"/>
+                <a:cs typeface="Arial" panose="020B0604020202020204" pitchFamily="34" charset="0"/>
+              </a:rPr>
+              <a:t>xAPI</a:t>
+            </a:r>
+            <a:r>
               <a:rPr lang="en-US" dirty="0">
                 <a:solidFill>
                   <a:schemeClr val="tx1"/>
@@ -4376,7 +4362,7 @@
                 <a:latin typeface="Arial" panose="020B0604020202020204" pitchFamily="34" charset="0"/>
                 <a:cs typeface="Arial" panose="020B0604020202020204" pitchFamily="34" charset="0"/>
               </a:rPr>
-              <a:t>Learning Record Store</a:t>
+              <a:t> Manager</a:t>
             </a:r>
             <a:endParaRPr lang="es-ES" dirty="0">
               <a:solidFill>
@@ -4402,8 +4388,8 @@
         </p:nvSpPr>
         <p:spPr>
           <a:xfrm>
-            <a:off x="8991550" y="1590818"/>
-            <a:ext cx="2808000" cy="684000"/>
+            <a:off x="9291867" y="1205444"/>
+            <a:ext cx="2808000" cy="720000"/>
           </a:xfrm>
           <a:prstGeom prst="rect">
             <a:avLst/>
@@ -4470,8 +4456,8 @@
         </p:nvSpPr>
         <p:spPr>
           <a:xfrm>
-            <a:off x="7604862" y="1590818"/>
-            <a:ext cx="1278738" cy="684000"/>
+            <a:off x="7905181" y="1205444"/>
+            <a:ext cx="1241292" cy="720000"/>
           </a:xfrm>
           <a:prstGeom prst="rect">
             <a:avLst/>
@@ -4538,8 +4524,8 @@
         </p:nvSpPr>
         <p:spPr>
           <a:xfrm>
-            <a:off x="6039600" y="3135214"/>
-            <a:ext cx="2808000" cy="784799"/>
+            <a:off x="6339917" y="2496017"/>
+            <a:ext cx="2808000" cy="720000"/>
           </a:xfrm>
           <a:prstGeom prst="rect">
             <a:avLst/>
@@ -4606,8 +4592,8 @@
         </p:nvSpPr>
         <p:spPr>
           <a:xfrm>
-            <a:off x="6038154" y="4007728"/>
-            <a:ext cx="2808000" cy="784799"/>
+            <a:off x="6338471" y="3301296"/>
+            <a:ext cx="2808000" cy="720000"/>
           </a:xfrm>
           <a:prstGeom prst="rect">
             <a:avLst/>
@@ -4674,8 +4660,8 @@
         </p:nvSpPr>
         <p:spPr>
           <a:xfrm>
-            <a:off x="9000003" y="3135214"/>
-            <a:ext cx="2808000" cy="784799"/>
+            <a:off x="9288001" y="2496017"/>
+            <a:ext cx="2808000" cy="720000"/>
           </a:xfrm>
           <a:prstGeom prst="rect">
             <a:avLst/>
@@ -4742,8 +4728,8 @@
         </p:nvSpPr>
         <p:spPr>
           <a:xfrm>
-            <a:off x="9015692" y="4011413"/>
-            <a:ext cx="2808000" cy="784799"/>
+            <a:off x="9289114" y="3304982"/>
+            <a:ext cx="2808000" cy="720000"/>
           </a:xfrm>
           <a:prstGeom prst="rect">
             <a:avLst/>
@@ -4810,7 +4796,7 @@
         </p:nvSpPr>
         <p:spPr>
           <a:xfrm>
-            <a:off x="557892" y="6020699"/>
+            <a:off x="858212" y="5203704"/>
             <a:ext cx="1877787" cy="338554"/>
           </a:xfrm>
           <a:prstGeom prst="rect">
@@ -4869,7 +4855,7 @@
         </p:blipFill>
         <p:spPr>
           <a:xfrm>
-            <a:off x="3042249" y="5916875"/>
+            <a:off x="3342570" y="5099884"/>
             <a:ext cx="553275" cy="553275"/>
           </a:xfrm>
           <a:prstGeom prst="rect">
@@ -4891,8 +4877,8 @@
         </p:nvSpPr>
         <p:spPr>
           <a:xfrm>
-            <a:off x="3472523" y="5906397"/>
-            <a:ext cx="2398984" cy="584775"/>
+            <a:off x="3772840" y="5210424"/>
+            <a:ext cx="2398984" cy="338554"/>
           </a:xfrm>
           <a:prstGeom prst="rect">
             <a:avLst/>
@@ -4911,15 +4897,6 @@
                 <a:cs typeface="Arial" panose="020B0604020202020204" pitchFamily="34" charset="0"/>
               </a:rPr>
               <a:t>User-App Interactions</a:t>
-            </a:r>
-          </a:p>
-          <a:p>
-            <a:r>
-              <a:rPr lang="es-ES" sz="1600" dirty="0">
-                <a:latin typeface="Arial" panose="020B0604020202020204" pitchFamily="34" charset="0"/>
-                <a:cs typeface="Arial" panose="020B0604020202020204" pitchFamily="34" charset="0"/>
-              </a:rPr>
-              <a:t>Digital school register</a:t>
             </a:r>
           </a:p>
         </p:txBody>
@@ -4955,7 +4932,7 @@
         </p:blipFill>
         <p:spPr>
           <a:xfrm>
-            <a:off x="6109321" y="5905985"/>
+            <a:off x="6409642" y="5088993"/>
             <a:ext cx="553275" cy="553275"/>
           </a:xfrm>
           <a:prstGeom prst="rect">
@@ -4977,7 +4954,7 @@
         </p:nvSpPr>
         <p:spPr>
           <a:xfrm>
-            <a:off x="6539596" y="6009809"/>
+            <a:off x="6839916" y="5192814"/>
             <a:ext cx="1877787" cy="338554"/>
           </a:xfrm>
           <a:prstGeom prst="rect">
@@ -5036,7 +5013,7 @@
         </p:blipFill>
         <p:spPr>
           <a:xfrm>
-            <a:off x="8983994" y="5905985"/>
+            <a:off x="9284314" y="5088993"/>
             <a:ext cx="553275" cy="553275"/>
           </a:xfrm>
           <a:prstGeom prst="rect">
@@ -5058,7 +5035,7 @@
         </p:nvSpPr>
         <p:spPr>
           <a:xfrm>
-            <a:off x="9414269" y="6009809"/>
+            <a:off x="9714589" y="5192814"/>
             <a:ext cx="2091931" cy="338554"/>
           </a:xfrm>
           <a:prstGeom prst="rect">
@@ -5100,7 +5077,7 @@
         </p:nvCxnSpPr>
         <p:spPr>
           <a:xfrm>
-            <a:off x="1539600" y="2530319"/>
+            <a:off x="1839917" y="2014385"/>
             <a:ext cx="0" cy="361792"/>
           </a:xfrm>
           <a:prstGeom prst="straightConnector1">
@@ -5140,7 +5117,7 @@
         </p:nvCxnSpPr>
         <p:spPr>
           <a:xfrm>
-            <a:off x="4491600" y="2530319"/>
+            <a:off x="4791917" y="2014385"/>
             <a:ext cx="0" cy="361792"/>
           </a:xfrm>
           <a:prstGeom prst="straightConnector1">
@@ -5180,7 +5157,7 @@
         </p:nvCxnSpPr>
         <p:spPr>
           <a:xfrm>
-            <a:off x="7443600" y="2530319"/>
+            <a:off x="7743917" y="2014385"/>
             <a:ext cx="0" cy="361792"/>
           </a:xfrm>
           <a:prstGeom prst="straightConnector1">
@@ -5220,7 +5197,7 @@
         </p:nvCxnSpPr>
         <p:spPr>
           <a:xfrm>
-            <a:off x="10395600" y="2530319"/>
+            <a:off x="10695917" y="2014385"/>
             <a:ext cx="0" cy="361792"/>
           </a:xfrm>
           <a:prstGeom prst="straightConnector1">
@@ -5246,251 +5223,138 @@
           </a:fontRef>
         </p:style>
       </p:cxnSp>
-      <p:cxnSp>
-        <p:nvCxnSpPr>
-          <p:cNvPr id="109" name="Connector: Curved 108">
+      <p:pic>
+        <p:nvPicPr>
+          <p:cNvPr id="54" name="Graphic 53" descr="Database outline">
             <a:extLst>
               <a:ext uri="{FF2B5EF4-FFF2-40B4-BE49-F238E27FC236}">
-                <a16:creationId xmlns:a16="http://schemas.microsoft.com/office/drawing/2014/main" id="{13F94619-D193-4C0E-8570-752AC974639B}"/>
+                <a16:creationId xmlns:a16="http://schemas.microsoft.com/office/drawing/2014/main" id="{5792791D-9759-4D16-9E1E-943D3F41F768}"/>
               </a:ext>
             </a:extLst>
           </p:cNvPr>
-          <p:cNvCxnSpPr>
-            <a:stCxn id="49" idx="2"/>
-            <a:endCxn id="50" idx="2"/>
-          </p:cNvCxnSpPr>
+          <p:cNvPicPr>
+            <a:picLocks noChangeAspect="1"/>
+          </p:cNvPicPr>
+          <p:nvPr/>
+        </p:nvPicPr>
+        <p:blipFill>
+          <a:blip r:embed="rId2">
+            <a:extLst>
+              <a:ext uri="{28A0092B-C50C-407E-A947-70E740481C1C}">
+                <a14:useLocalDpi xmlns:a14="http://schemas.microsoft.com/office/drawing/2010/main" val="0"/>
+              </a:ext>
+              <a:ext uri="{96DAC541-7B7A-43D3-8B79-37D633B846F1}">
+                <asvg:svgBlip xmlns:asvg="http://schemas.microsoft.com/office/drawing/2016/SVG/main" r:embed="rId3"/>
+              </a:ext>
+            </a:extLst>
+          </a:blip>
+          <a:stretch>
+            <a:fillRect/>
+          </a:stretch>
+        </p:blipFill>
+        <p:spPr>
+          <a:xfrm>
+            <a:off x="3895844" y="6372815"/>
+            <a:ext cx="553275" cy="553275"/>
+          </a:xfrm>
+          <a:prstGeom prst="rect">
+            <a:avLst/>
+          </a:prstGeom>
+        </p:spPr>
+      </p:pic>
+      <p:cxnSp>
+        <p:nvCxnSpPr>
+          <p:cNvPr id="59" name="Straight Arrow Connector 58">
+            <a:extLst>
+              <a:ext uri="{FF2B5EF4-FFF2-40B4-BE49-F238E27FC236}">
+                <a16:creationId xmlns:a16="http://schemas.microsoft.com/office/drawing/2014/main" id="{6E743C0D-4410-4008-973F-D8F7AB5D8A19}"/>
+              </a:ext>
+            </a:extLst>
+          </p:cNvPr>
+          <p:cNvCxnSpPr/>
           <p:nvPr/>
         </p:nvCxnSpPr>
         <p:spPr>
-          <a:xfrm rot="5400000" flipH="1" flipV="1">
-            <a:off x="5513031" y="5618244"/>
-            <a:ext cx="31912" cy="1713944"/>
-          </a:xfrm>
-          <a:prstGeom prst="curvedConnector3">
-            <a:avLst>
-              <a:gd name="adj1" fmla="val -601730"/>
-            </a:avLst>
+          <a:xfrm>
+            <a:off x="5848942" y="5807049"/>
+            <a:ext cx="0" cy="361792"/>
+          </a:xfrm>
+          <a:prstGeom prst="straightConnector1">
+            <a:avLst/>
           </a:prstGeom>
-          <a:ln w="19050">
-            <a:solidFill>
-              <a:schemeClr val="tx1"/>
-            </a:solidFill>
-            <a:tailEnd type="stealth" w="lg" len="med"/>
+          <a:ln w="9525">
+            <a:headEnd type="triangle"/>
+            <a:tailEnd type="triangle"/>
           </a:ln>
         </p:spPr>
         <p:style>
           <a:lnRef idx="1">
-            <a:schemeClr val="accent1"/>
+            <a:schemeClr val="dk1"/>
           </a:lnRef>
           <a:fillRef idx="0">
-            <a:schemeClr val="accent1"/>
+            <a:schemeClr val="dk1"/>
           </a:fillRef>
           <a:effectRef idx="0">
-            <a:schemeClr val="accent1"/>
+            <a:schemeClr val="dk1"/>
           </a:effectRef>
           <a:fontRef idx="minor">
             <a:schemeClr val="tx1"/>
           </a:fontRef>
         </p:style>
       </p:cxnSp>
-      <p:cxnSp>
-        <p:nvCxnSpPr>
-          <p:cNvPr id="113" name="Connector: Curved 112">
+      <p:sp>
+        <p:nvSpPr>
+          <p:cNvPr id="60" name="TextBox 59">
             <a:extLst>
               <a:ext uri="{FF2B5EF4-FFF2-40B4-BE49-F238E27FC236}">
-                <a16:creationId xmlns:a16="http://schemas.microsoft.com/office/drawing/2014/main" id="{41F117A2-4DF9-46F1-9A3A-927DADF44766}"/>
+                <a16:creationId xmlns:a16="http://schemas.microsoft.com/office/drawing/2014/main" id="{054DF432-CE3E-4A2D-B78E-9DA6B5EC2F8E}"/>
               </a:ext>
             </a:extLst>
           </p:cNvPr>
-          <p:cNvCxnSpPr>
-            <a:cxnSpLocks/>
-            <a:stCxn id="47" idx="2"/>
-            <a:endCxn id="50" idx="2"/>
-          </p:cNvCxnSpPr>
+          <p:cNvSpPr txBox="1"/>
           <p:nvPr/>
-        </p:nvCxnSpPr>
-        <p:spPr>
-          <a:xfrm rot="16200000" flipH="1">
-            <a:off x="3891369" y="3964669"/>
-            <a:ext cx="100007" cy="4889173"/>
-          </a:xfrm>
-          <a:prstGeom prst="curvedConnector3">
-            <a:avLst>
-              <a:gd name="adj1" fmla="val 511451"/>
-            </a:avLst>
+        </p:nvSpPr>
+        <p:spPr>
+          <a:xfrm>
+            <a:off x="4440931" y="6345921"/>
+            <a:ext cx="3990377" cy="584775"/>
+          </a:xfrm>
+          <a:prstGeom prst="rect">
+            <a:avLst/>
           </a:prstGeom>
-          <a:ln w="19050">
-            <a:solidFill>
-              <a:schemeClr val="tx1"/>
-            </a:solidFill>
-            <a:tailEnd type="stealth" w="lg" len="med"/>
-          </a:ln>
-        </p:spPr>
-        <p:style>
-          <a:lnRef idx="1">
-            <a:schemeClr val="accent1"/>
-          </a:lnRef>
-          <a:fillRef idx="0">
-            <a:schemeClr val="accent1"/>
-          </a:fillRef>
-          <a:effectRef idx="0">
-            <a:schemeClr val="accent1"/>
-          </a:effectRef>
-          <a:fontRef idx="minor">
-            <a:schemeClr val="tx1"/>
-          </a:fontRef>
-        </p:style>
-      </p:cxnSp>
-      <p:cxnSp>
-        <p:nvCxnSpPr>
-          <p:cNvPr id="121" name="Connector: Curved 120">
+          <a:noFill/>
+        </p:spPr>
+        <p:txBody>
+          <a:bodyPr wrap="square" rtlCol="0">
+            <a:spAutoFit/>
+          </a:bodyPr>
+          <a:lstStyle/>
+          <a:p>
+            <a:r>
+              <a:rPr lang="en-US" sz="1600" dirty="0">
+                <a:latin typeface="Arial" panose="020B0604020202020204" pitchFamily="34" charset="0"/>
+                <a:cs typeface="Arial" panose="020B0604020202020204" pitchFamily="34" charset="0"/>
+              </a:rPr>
+              <a:t>School DBs (Digital school register,</a:t>
+            </a:r>
+          </a:p>
+          <a:p>
+            <a:r>
+              <a:rPr lang="en-US" sz="1600" dirty="0">
+                <a:latin typeface="Arial" panose="020B0604020202020204" pitchFamily="34" charset="0"/>
+                <a:cs typeface="Arial" panose="020B0604020202020204" pitchFamily="34" charset="0"/>
+              </a:rPr>
+              <a:t>Class schedules, Inventory, …)</a:t>
+            </a:r>
+          </a:p>
+        </p:txBody>
+      </p:sp>
+      <p:sp>
+        <p:nvSpPr>
+          <p:cNvPr id="62" name="Rectangle 61">
             <a:extLst>
               <a:ext uri="{FF2B5EF4-FFF2-40B4-BE49-F238E27FC236}">
-                <a16:creationId xmlns:a16="http://schemas.microsoft.com/office/drawing/2014/main" id="{878367E4-5D3F-41C6-B033-3480C4C86995}"/>
-              </a:ext>
-            </a:extLst>
-          </p:cNvPr>
-          <p:cNvCxnSpPr>
-            <a:cxnSpLocks/>
-            <a:stCxn id="51" idx="2"/>
-            <a:endCxn id="53" idx="2"/>
-          </p:cNvCxnSpPr>
-          <p:nvPr/>
-        </p:nvCxnSpPr>
-        <p:spPr>
-          <a:xfrm rot="16200000" flipH="1">
-            <a:off x="8969362" y="4857490"/>
-            <a:ext cx="12700" cy="2981745"/>
-          </a:xfrm>
-          <a:prstGeom prst="curvedConnector3">
-            <a:avLst>
-              <a:gd name="adj1" fmla="val 4104000"/>
-            </a:avLst>
-          </a:prstGeom>
-          <a:ln w="19050">
-            <a:solidFill>
-              <a:schemeClr val="tx1"/>
-            </a:solidFill>
-            <a:tailEnd type="stealth" w="lg" len="med"/>
-          </a:ln>
-        </p:spPr>
-        <p:style>
-          <a:lnRef idx="1">
-            <a:schemeClr val="accent1"/>
-          </a:lnRef>
-          <a:fillRef idx="0">
-            <a:schemeClr val="accent1"/>
-          </a:fillRef>
-          <a:effectRef idx="0">
-            <a:schemeClr val="accent1"/>
-          </a:effectRef>
-          <a:fontRef idx="minor">
-            <a:schemeClr val="tx1"/>
-          </a:fontRef>
-        </p:style>
-      </p:cxnSp>
-      <p:cxnSp>
-        <p:nvCxnSpPr>
-          <p:cNvPr id="128" name="Connector: Curved 127">
-            <a:extLst>
-              <a:ext uri="{FF2B5EF4-FFF2-40B4-BE49-F238E27FC236}">
-                <a16:creationId xmlns:a16="http://schemas.microsoft.com/office/drawing/2014/main" id="{5F3D4147-18C1-4C5F-9DDC-E358288E833D}"/>
-              </a:ext>
-            </a:extLst>
-          </p:cNvPr>
-          <p:cNvCxnSpPr>
-            <a:cxnSpLocks/>
-            <a:stCxn id="22" idx="2"/>
-            <a:endCxn id="52" idx="2"/>
-          </p:cNvCxnSpPr>
-          <p:nvPr/>
-        </p:nvCxnSpPr>
-        <p:spPr>
-          <a:xfrm rot="5400000" flipH="1" flipV="1">
-            <a:off x="4826998" y="2036516"/>
-            <a:ext cx="10890" cy="8856377"/>
-          </a:xfrm>
-          <a:prstGeom prst="curvedConnector3">
-            <a:avLst>
-              <a:gd name="adj1" fmla="val -5961671"/>
-            </a:avLst>
-          </a:prstGeom>
-          <a:ln w="19050">
-            <a:solidFill>
-              <a:schemeClr val="tx1"/>
-            </a:solidFill>
-            <a:tailEnd type="stealth" w="lg" len="med"/>
-          </a:ln>
-        </p:spPr>
-        <p:style>
-          <a:lnRef idx="1">
-            <a:schemeClr val="accent1"/>
-          </a:lnRef>
-          <a:fillRef idx="0">
-            <a:schemeClr val="accent1"/>
-          </a:fillRef>
-          <a:effectRef idx="0">
-            <a:schemeClr val="accent1"/>
-          </a:effectRef>
-          <a:fontRef idx="minor">
-            <a:schemeClr val="tx1"/>
-          </a:fontRef>
-        </p:style>
-      </p:cxnSp>
-      <p:cxnSp>
-        <p:nvCxnSpPr>
-          <p:cNvPr id="133" name="Connector: Curved 132">
-            <a:extLst>
-              <a:ext uri="{FF2B5EF4-FFF2-40B4-BE49-F238E27FC236}">
-                <a16:creationId xmlns:a16="http://schemas.microsoft.com/office/drawing/2014/main" id="{A061A4F0-7545-4689-B26E-E289F3B2CB40}"/>
-              </a:ext>
-            </a:extLst>
-          </p:cNvPr>
-          <p:cNvCxnSpPr>
-            <a:cxnSpLocks/>
-            <a:stCxn id="48" idx="2"/>
-            <a:endCxn id="52" idx="2"/>
-          </p:cNvCxnSpPr>
-          <p:nvPr/>
-        </p:nvCxnSpPr>
-        <p:spPr>
-          <a:xfrm rot="5400000" flipH="1" flipV="1">
-            <a:off x="6284314" y="3493832"/>
-            <a:ext cx="10890" cy="5941745"/>
-          </a:xfrm>
-          <a:prstGeom prst="curvedConnector3">
-            <a:avLst>
-              <a:gd name="adj1" fmla="val -4282332"/>
-            </a:avLst>
-          </a:prstGeom>
-          <a:ln w="19050">
-            <a:solidFill>
-              <a:schemeClr val="tx1"/>
-            </a:solidFill>
-            <a:tailEnd type="stealth" w="lg" len="med"/>
-          </a:ln>
-        </p:spPr>
-        <p:style>
-          <a:lnRef idx="1">
-            <a:schemeClr val="accent1"/>
-          </a:lnRef>
-          <a:fillRef idx="0">
-            <a:schemeClr val="accent1"/>
-          </a:fillRef>
-          <a:effectRef idx="0">
-            <a:schemeClr val="accent1"/>
-          </a:effectRef>
-          <a:fontRef idx="minor">
-            <a:schemeClr val="tx1"/>
-          </a:fontRef>
-        </p:style>
-      </p:cxnSp>
-      <p:sp>
-        <p:nvSpPr>
-          <p:cNvPr id="137" name="Rectangle 136">
-            <a:extLst>
-              <a:ext uri="{FF2B5EF4-FFF2-40B4-BE49-F238E27FC236}">
-                <a16:creationId xmlns:a16="http://schemas.microsoft.com/office/drawing/2014/main" id="{D2AD6083-D783-421D-BBCE-DD4EA8ED2C96}"/>
+                <a16:creationId xmlns:a16="http://schemas.microsoft.com/office/drawing/2014/main" id="{6DDEFA46-2A86-44C3-A116-9D626D448995}"/>
               </a:ext>
             </a:extLst>
           </p:cNvPr>
@@ -5499,18 +5363,18 @@
         </p:nvSpPr>
         <p:spPr>
           <a:xfrm>
-            <a:off x="0" y="0"/>
-            <a:ext cx="12181810" cy="7626416"/>
+            <a:off x="3394081" y="1191525"/>
+            <a:ext cx="2809447" cy="720000"/>
           </a:xfrm>
           <a:prstGeom prst="rect">
             <a:avLst/>
           </a:prstGeom>
-          <a:noFill/>
-          <a:ln>
-            <a:solidFill>
-              <a:schemeClr val="tx1"/>
-            </a:solidFill>
-          </a:ln>
+          <a:solidFill>
+            <a:schemeClr val="accent1">
+              <a:lumMod val="20000"/>
+              <a:lumOff val="80000"/>
+            </a:schemeClr>
+          </a:solidFill>
         </p:spPr>
         <p:style>
           <a:lnRef idx="2">
@@ -5533,7 +5397,91 @@
           <a:lstStyle/>
           <a:p>
             <a:pPr algn="ctr"/>
-            <a:endParaRPr lang="es-ES"/>
+            <a:r>
+              <a:rPr lang="en-US" dirty="0">
+                <a:solidFill>
+                  <a:schemeClr val="tx1"/>
+                </a:solidFill>
+                <a:latin typeface="Arial" panose="020B0604020202020204" pitchFamily="34" charset="0"/>
+                <a:cs typeface="Arial" panose="020B0604020202020204" pitchFamily="34" charset="0"/>
+              </a:rPr>
+              <a:t>Data storage API</a:t>
+            </a:r>
+            <a:endParaRPr lang="es-ES" dirty="0">
+              <a:solidFill>
+                <a:schemeClr val="tx1"/>
+              </a:solidFill>
+              <a:latin typeface="Arial" panose="020B0604020202020204" pitchFamily="34" charset="0"/>
+              <a:cs typeface="Arial" panose="020B0604020202020204" pitchFamily="34" charset="0"/>
+            </a:endParaRPr>
+          </a:p>
+        </p:txBody>
+      </p:sp>
+      <p:sp>
+        <p:nvSpPr>
+          <p:cNvPr id="61" name="Rectangle 60">
+            <a:extLst>
+              <a:ext uri="{FF2B5EF4-FFF2-40B4-BE49-F238E27FC236}">
+                <a16:creationId xmlns:a16="http://schemas.microsoft.com/office/drawing/2014/main" id="{C884B77D-5D32-4D4F-A2E3-510F8D449EAA}"/>
+              </a:ext>
+            </a:extLst>
+          </p:cNvPr>
+          <p:cNvSpPr/>
+          <p:nvPr/>
+        </p:nvSpPr>
+        <p:spPr>
+          <a:xfrm>
+            <a:off x="3392766" y="3285583"/>
+            <a:ext cx="2808000" cy="720000"/>
+          </a:xfrm>
+          <a:prstGeom prst="rect">
+            <a:avLst/>
+          </a:prstGeom>
+          <a:solidFill>
+            <a:schemeClr val="accent2">
+              <a:lumMod val="20000"/>
+              <a:lumOff val="80000"/>
+            </a:schemeClr>
+          </a:solidFill>
+        </p:spPr>
+        <p:style>
+          <a:lnRef idx="2">
+            <a:schemeClr val="accent1">
+              <a:shade val="50000"/>
+            </a:schemeClr>
+          </a:lnRef>
+          <a:fillRef idx="1">
+            <a:schemeClr val="accent1"/>
+          </a:fillRef>
+          <a:effectRef idx="0">
+            <a:schemeClr val="accent1"/>
+          </a:effectRef>
+          <a:fontRef idx="minor">
+            <a:schemeClr val="lt1"/>
+          </a:fontRef>
+        </p:style>
+        <p:txBody>
+          <a:bodyPr rtlCol="0" anchor="ctr"/>
+          <a:lstStyle/>
+          <a:p>
+            <a:pPr algn="ctr"/>
+            <a:r>
+              <a:rPr lang="en-US" dirty="0">
+                <a:solidFill>
+                  <a:schemeClr val="tx1"/>
+                </a:solidFill>
+                <a:latin typeface="Arial" panose="020B0604020202020204" pitchFamily="34" charset="0"/>
+                <a:cs typeface="Arial" panose="020B0604020202020204" pitchFamily="34" charset="0"/>
+              </a:rPr>
+              <a:t>Learning Record Store</a:t>
+            </a:r>
+            <a:endParaRPr lang="es-ES" dirty="0">
+              <a:solidFill>
+                <a:schemeClr val="tx1"/>
+              </a:solidFill>
+              <a:latin typeface="Arial" panose="020B0604020202020204" pitchFamily="34" charset="0"/>
+              <a:cs typeface="Arial" panose="020B0604020202020204" pitchFamily="34" charset="0"/>
+            </a:endParaRPr>
           </a:p>
         </p:txBody>
       </p:sp>
